--- a/Otus.ProjectWork.pptx
+++ b/Otus.ProjectWork.pptx
@@ -5,7 +5,7 @@
     <p:sldMasterId id="2147483675" r:id="rId1"/>
   </p:sldMasterIdLst>
   <p:notesMasterIdLst>
-    <p:notesMasterId r:id="rId14"/>
+    <p:notesMasterId r:id="rId19"/>
   </p:notesMasterIdLst>
   <p:sldIdLst>
     <p:sldId id="256" r:id="rId2"/>
@@ -15,21 +15,30 @@
     <p:sldId id="262" r:id="rId6"/>
     <p:sldId id="276" r:id="rId7"/>
     <p:sldId id="275" r:id="rId8"/>
-    <p:sldId id="263" r:id="rId9"/>
-    <p:sldId id="265" r:id="rId10"/>
-    <p:sldId id="266" r:id="rId11"/>
-    <p:sldId id="273" r:id="rId12"/>
-    <p:sldId id="274" r:id="rId13"/>
+    <p:sldId id="279" r:id="rId9"/>
+    <p:sldId id="277" r:id="rId10"/>
+    <p:sldId id="280" r:id="rId11"/>
+    <p:sldId id="281" r:id="rId12"/>
+    <p:sldId id="282" r:id="rId13"/>
+    <p:sldId id="278" r:id="rId14"/>
+    <p:sldId id="265" r:id="rId15"/>
+    <p:sldId id="266" r:id="rId16"/>
+    <p:sldId id="273" r:id="rId17"/>
+    <p:sldId id="274" r:id="rId18"/>
   </p:sldIdLst>
   <p:sldSz cx="9144000" cy="6858000" type="screen4x3"/>
   <p:notesSz cx="6858000" cy="9144000"/>
   <p:embeddedFontLst>
     <p:embeddedFont>
       <p:font typeface="Roboto" panose="020B0604020202020204" charset="0"/>
-      <p:regular r:id="rId15"/>
-      <p:bold r:id="rId16"/>
-      <p:italic r:id="rId17"/>
-      <p:boldItalic r:id="rId18"/>
+      <p:regular r:id="rId20"/>
+      <p:bold r:id="rId21"/>
+      <p:italic r:id="rId22"/>
+      <p:boldItalic r:id="rId23"/>
+    </p:embeddedFont>
+    <p:embeddedFont>
+      <p:font typeface="Cambria Math" panose="02040503050406030204" pitchFamily="18" charset="0"/>
+      <p:regular r:id="rId24"/>
     </p:embeddedFont>
   </p:embeddedFontLst>
   <p:defaultTextStyle>
@@ -840,6 +849,432 @@
   <p:cSld>
     <p:spTree>
       <p:nvGrpSpPr>
+        <p:cNvPr id="1" name="Shape 185"/>
+        <p:cNvGrpSpPr/>
+        <p:nvPr/>
+      </p:nvGrpSpPr>
+      <p:grpSpPr>
+        <a:xfrm>
+          <a:off x="0" y="0"/>
+          <a:ext cx="0" cy="0"/>
+          <a:chOff x="0" y="0"/>
+          <a:chExt cx="0" cy="0"/>
+        </a:xfrm>
+      </p:grpSpPr>
+      <p:sp>
+        <p:nvSpPr>
+          <p:cNvPr id="186" name="Google Shape;186;gdf29b9fb24_0_69:notes"/>
+          <p:cNvSpPr>
+            <a:spLocks noGrp="1" noRot="1" noChangeAspect="1"/>
+          </p:cNvSpPr>
+          <p:nvPr>
+            <p:ph type="sldImg" idx="2"/>
+          </p:nvPr>
+        </p:nvSpPr>
+        <p:spPr>
+          <a:xfrm>
+            <a:off x="1143000" y="685800"/>
+            <a:ext cx="4572000" cy="3429000"/>
+          </a:xfrm>
+          <a:custGeom>
+            <a:avLst/>
+            <a:gdLst/>
+            <a:ahLst/>
+            <a:cxnLst/>
+            <a:rect l="l" t="t" r="r" b="b"/>
+            <a:pathLst>
+              <a:path w="120000" h="120000" extrusionOk="0">
+                <a:moveTo>
+                  <a:pt x="0" y="0"/>
+                </a:moveTo>
+                <a:lnTo>
+                  <a:pt x="120000" y="0"/>
+                </a:lnTo>
+                <a:lnTo>
+                  <a:pt x="120000" y="120000"/>
+                </a:lnTo>
+                <a:lnTo>
+                  <a:pt x="0" y="120000"/>
+                </a:lnTo>
+                <a:close/>
+              </a:path>
+            </a:pathLst>
+          </a:custGeom>
+        </p:spPr>
+      </p:sp>
+      <p:sp>
+        <p:nvSpPr>
+          <p:cNvPr id="187" name="Google Shape;187;gdf29b9fb24_0_69:notes"/>
+          <p:cNvSpPr txBox="1">
+            <a:spLocks noGrp="1"/>
+          </p:cNvSpPr>
+          <p:nvPr>
+            <p:ph type="body" idx="1"/>
+          </p:nvPr>
+        </p:nvSpPr>
+        <p:spPr>
+          <a:xfrm>
+            <a:off x="685800" y="4343400"/>
+            <a:ext cx="5486400" cy="4114800"/>
+          </a:xfrm>
+          <a:prstGeom prst="rect">
+            <a:avLst/>
+          </a:prstGeom>
+        </p:spPr>
+        <p:txBody>
+          <a:bodyPr spcFirstLastPara="1" wrap="square" lIns="91425" tIns="91425" rIns="91425" bIns="91425" anchor="t" anchorCtr="0">
+            <a:noAutofit/>
+          </a:bodyPr>
+          <a:lstStyle/>
+          <a:p>
+            <a:pPr marL="0" lvl="0" indent="0" algn="l" rtl="0">
+              <a:spcBef>
+                <a:spcPts val="0"/>
+              </a:spcBef>
+              <a:spcAft>
+                <a:spcPts val="0"/>
+              </a:spcAft>
+              <a:buNone/>
+            </a:pPr>
+            <a:endParaRPr/>
+          </a:p>
+        </p:txBody>
+      </p:sp>
+    </p:spTree>
+    <p:extLst>
+      <p:ext uri="{BB962C8B-B14F-4D97-AF65-F5344CB8AC3E}">
+        <p14:creationId xmlns:p14="http://schemas.microsoft.com/office/powerpoint/2010/main" val="1201675862"/>
+      </p:ext>
+    </p:extLst>
+  </p:cSld>
+  <p:clrMapOvr>
+    <a:masterClrMapping/>
+  </p:clrMapOvr>
+</p:notes>
+</file>
+
+<file path=ppt/notesSlides/notesSlide11.xml><?xml version="1.0" encoding="utf-8"?>
+<p:notes xmlns:a="http://schemas.openxmlformats.org/drawingml/2006/main" xmlns:r="http://schemas.openxmlformats.org/officeDocument/2006/relationships" xmlns:p="http://schemas.openxmlformats.org/presentationml/2006/main" showMasterSp="0" showMasterPhAnim="0">
+  <p:cSld>
+    <p:spTree>
+      <p:nvGrpSpPr>
+        <p:cNvPr id="1" name="Shape 185"/>
+        <p:cNvGrpSpPr/>
+        <p:nvPr/>
+      </p:nvGrpSpPr>
+      <p:grpSpPr>
+        <a:xfrm>
+          <a:off x="0" y="0"/>
+          <a:ext cx="0" cy="0"/>
+          <a:chOff x="0" y="0"/>
+          <a:chExt cx="0" cy="0"/>
+        </a:xfrm>
+      </p:grpSpPr>
+      <p:sp>
+        <p:nvSpPr>
+          <p:cNvPr id="186" name="Google Shape;186;gdf29b9fb24_0_69:notes"/>
+          <p:cNvSpPr>
+            <a:spLocks noGrp="1" noRot="1" noChangeAspect="1"/>
+          </p:cNvSpPr>
+          <p:nvPr>
+            <p:ph type="sldImg" idx="2"/>
+          </p:nvPr>
+        </p:nvSpPr>
+        <p:spPr>
+          <a:xfrm>
+            <a:off x="1143000" y="685800"/>
+            <a:ext cx="4572000" cy="3429000"/>
+          </a:xfrm>
+          <a:custGeom>
+            <a:avLst/>
+            <a:gdLst/>
+            <a:ahLst/>
+            <a:cxnLst/>
+            <a:rect l="l" t="t" r="r" b="b"/>
+            <a:pathLst>
+              <a:path w="120000" h="120000" extrusionOk="0">
+                <a:moveTo>
+                  <a:pt x="0" y="0"/>
+                </a:moveTo>
+                <a:lnTo>
+                  <a:pt x="120000" y="0"/>
+                </a:lnTo>
+                <a:lnTo>
+                  <a:pt x="120000" y="120000"/>
+                </a:lnTo>
+                <a:lnTo>
+                  <a:pt x="0" y="120000"/>
+                </a:lnTo>
+                <a:close/>
+              </a:path>
+            </a:pathLst>
+          </a:custGeom>
+        </p:spPr>
+      </p:sp>
+      <p:sp>
+        <p:nvSpPr>
+          <p:cNvPr id="187" name="Google Shape;187;gdf29b9fb24_0_69:notes"/>
+          <p:cNvSpPr txBox="1">
+            <a:spLocks noGrp="1"/>
+          </p:cNvSpPr>
+          <p:nvPr>
+            <p:ph type="body" idx="1"/>
+          </p:nvPr>
+        </p:nvSpPr>
+        <p:spPr>
+          <a:xfrm>
+            <a:off x="685800" y="4343400"/>
+            <a:ext cx="5486400" cy="4114800"/>
+          </a:xfrm>
+          <a:prstGeom prst="rect">
+            <a:avLst/>
+          </a:prstGeom>
+        </p:spPr>
+        <p:txBody>
+          <a:bodyPr spcFirstLastPara="1" wrap="square" lIns="91425" tIns="91425" rIns="91425" bIns="91425" anchor="t" anchorCtr="0">
+            <a:noAutofit/>
+          </a:bodyPr>
+          <a:lstStyle/>
+          <a:p>
+            <a:pPr marL="0" lvl="0" indent="0" algn="l" rtl="0">
+              <a:spcBef>
+                <a:spcPts val="0"/>
+              </a:spcBef>
+              <a:spcAft>
+                <a:spcPts val="0"/>
+              </a:spcAft>
+              <a:buNone/>
+            </a:pPr>
+            <a:endParaRPr/>
+          </a:p>
+        </p:txBody>
+      </p:sp>
+    </p:spTree>
+    <p:extLst>
+      <p:ext uri="{BB962C8B-B14F-4D97-AF65-F5344CB8AC3E}">
+        <p14:creationId xmlns:p14="http://schemas.microsoft.com/office/powerpoint/2010/main" val="2377928853"/>
+      </p:ext>
+    </p:extLst>
+  </p:cSld>
+  <p:clrMapOvr>
+    <a:masterClrMapping/>
+  </p:clrMapOvr>
+</p:notes>
+</file>
+
+<file path=ppt/notesSlides/notesSlide12.xml><?xml version="1.0" encoding="utf-8"?>
+<p:notes xmlns:a="http://schemas.openxmlformats.org/drawingml/2006/main" xmlns:r="http://schemas.openxmlformats.org/officeDocument/2006/relationships" xmlns:p="http://schemas.openxmlformats.org/presentationml/2006/main" showMasterSp="0" showMasterPhAnim="0">
+  <p:cSld>
+    <p:spTree>
+      <p:nvGrpSpPr>
+        <p:cNvPr id="1" name="Shape 198"/>
+        <p:cNvGrpSpPr/>
+        <p:nvPr/>
+      </p:nvGrpSpPr>
+      <p:grpSpPr>
+        <a:xfrm>
+          <a:off x="0" y="0"/>
+          <a:ext cx="0" cy="0"/>
+          <a:chOff x="0" y="0"/>
+          <a:chExt cx="0" cy="0"/>
+        </a:xfrm>
+      </p:grpSpPr>
+      <p:sp>
+        <p:nvSpPr>
+          <p:cNvPr id="199" name="Google Shape;199;ge83ec99fb9_1_167:notes"/>
+          <p:cNvSpPr>
+            <a:spLocks noGrp="1" noRot="1" noChangeAspect="1"/>
+          </p:cNvSpPr>
+          <p:nvPr>
+            <p:ph type="sldImg" idx="2"/>
+          </p:nvPr>
+        </p:nvSpPr>
+        <p:spPr>
+          <a:xfrm>
+            <a:off x="1143000" y="685800"/>
+            <a:ext cx="4572000" cy="3429000"/>
+          </a:xfrm>
+          <a:custGeom>
+            <a:avLst/>
+            <a:gdLst/>
+            <a:ahLst/>
+            <a:cxnLst/>
+            <a:rect l="l" t="t" r="r" b="b"/>
+            <a:pathLst>
+              <a:path w="120000" h="120000" extrusionOk="0">
+                <a:moveTo>
+                  <a:pt x="0" y="0"/>
+                </a:moveTo>
+                <a:lnTo>
+                  <a:pt x="120000" y="0"/>
+                </a:lnTo>
+                <a:lnTo>
+                  <a:pt x="120000" y="120000"/>
+                </a:lnTo>
+                <a:lnTo>
+                  <a:pt x="0" y="120000"/>
+                </a:lnTo>
+                <a:close/>
+              </a:path>
+            </a:pathLst>
+          </a:custGeom>
+        </p:spPr>
+      </p:sp>
+      <p:sp>
+        <p:nvSpPr>
+          <p:cNvPr id="200" name="Google Shape;200;ge83ec99fb9_1_167:notes"/>
+          <p:cNvSpPr txBox="1">
+            <a:spLocks noGrp="1"/>
+          </p:cNvSpPr>
+          <p:nvPr>
+            <p:ph type="body" idx="1"/>
+          </p:nvPr>
+        </p:nvSpPr>
+        <p:spPr>
+          <a:xfrm>
+            <a:off x="685800" y="4343400"/>
+            <a:ext cx="5486400" cy="4114800"/>
+          </a:xfrm>
+          <a:prstGeom prst="rect">
+            <a:avLst/>
+          </a:prstGeom>
+        </p:spPr>
+        <p:txBody>
+          <a:bodyPr spcFirstLastPara="1" wrap="square" lIns="91425" tIns="91425" rIns="91425" bIns="91425" anchor="t" anchorCtr="0">
+            <a:noAutofit/>
+          </a:bodyPr>
+          <a:lstStyle/>
+          <a:p>
+            <a:pPr marL="0" lvl="0" indent="0" algn="l" rtl="0">
+              <a:spcBef>
+                <a:spcPts val="0"/>
+              </a:spcBef>
+              <a:spcAft>
+                <a:spcPts val="0"/>
+              </a:spcAft>
+              <a:buNone/>
+            </a:pPr>
+            <a:endParaRPr/>
+          </a:p>
+        </p:txBody>
+      </p:sp>
+    </p:spTree>
+  </p:cSld>
+  <p:clrMapOvr>
+    <a:masterClrMapping/>
+  </p:clrMapOvr>
+</p:notes>
+</file>
+
+<file path=ppt/notesSlides/notesSlide13.xml><?xml version="1.0" encoding="utf-8"?>
+<p:notes xmlns:a="http://schemas.openxmlformats.org/drawingml/2006/main" xmlns:r="http://schemas.openxmlformats.org/officeDocument/2006/relationships" xmlns:p="http://schemas.openxmlformats.org/presentationml/2006/main" showMasterSp="0" showMasterPhAnim="0">
+  <p:cSld>
+    <p:spTree>
+      <p:nvGrpSpPr>
+        <p:cNvPr id="1" name="Shape 205"/>
+        <p:cNvGrpSpPr/>
+        <p:nvPr/>
+      </p:nvGrpSpPr>
+      <p:grpSpPr>
+        <a:xfrm>
+          <a:off x="0" y="0"/>
+          <a:ext cx="0" cy="0"/>
+          <a:chOff x="0" y="0"/>
+          <a:chExt cx="0" cy="0"/>
+        </a:xfrm>
+      </p:grpSpPr>
+      <p:sp>
+        <p:nvSpPr>
+          <p:cNvPr id="206" name="Google Shape;206;ge04b8b6756_0_36:notes"/>
+          <p:cNvSpPr>
+            <a:spLocks noGrp="1" noRot="1" noChangeAspect="1"/>
+          </p:cNvSpPr>
+          <p:nvPr>
+            <p:ph type="sldImg" idx="2"/>
+          </p:nvPr>
+        </p:nvSpPr>
+        <p:spPr>
+          <a:xfrm>
+            <a:off x="1143000" y="685800"/>
+            <a:ext cx="4572000" cy="3429000"/>
+          </a:xfrm>
+          <a:custGeom>
+            <a:avLst/>
+            <a:gdLst/>
+            <a:ahLst/>
+            <a:cxnLst/>
+            <a:rect l="l" t="t" r="r" b="b"/>
+            <a:pathLst>
+              <a:path w="120000" h="120000" extrusionOk="0">
+                <a:moveTo>
+                  <a:pt x="0" y="0"/>
+                </a:moveTo>
+                <a:lnTo>
+                  <a:pt x="120000" y="0"/>
+                </a:lnTo>
+                <a:lnTo>
+                  <a:pt x="120000" y="120000"/>
+                </a:lnTo>
+                <a:lnTo>
+                  <a:pt x="0" y="120000"/>
+                </a:lnTo>
+                <a:close/>
+              </a:path>
+            </a:pathLst>
+          </a:custGeom>
+        </p:spPr>
+      </p:sp>
+      <p:sp>
+        <p:nvSpPr>
+          <p:cNvPr id="207" name="Google Shape;207;ge04b8b6756_0_36:notes"/>
+          <p:cNvSpPr txBox="1">
+            <a:spLocks noGrp="1"/>
+          </p:cNvSpPr>
+          <p:nvPr>
+            <p:ph type="body" idx="1"/>
+          </p:nvPr>
+        </p:nvSpPr>
+        <p:spPr>
+          <a:xfrm>
+            <a:off x="685800" y="4343400"/>
+            <a:ext cx="5486400" cy="4114800"/>
+          </a:xfrm>
+          <a:prstGeom prst="rect">
+            <a:avLst/>
+          </a:prstGeom>
+        </p:spPr>
+        <p:txBody>
+          <a:bodyPr spcFirstLastPara="1" wrap="square" lIns="91425" tIns="91425" rIns="91425" bIns="91425" anchor="t" anchorCtr="0">
+            <a:noAutofit/>
+          </a:bodyPr>
+          <a:lstStyle/>
+          <a:p>
+            <a:pPr marL="0" lvl="0" indent="0" algn="l" rtl="0">
+              <a:spcBef>
+                <a:spcPts val="0"/>
+              </a:spcBef>
+              <a:spcAft>
+                <a:spcPts val="0"/>
+              </a:spcAft>
+              <a:buNone/>
+            </a:pPr>
+            <a:endParaRPr/>
+          </a:p>
+        </p:txBody>
+      </p:sp>
+    </p:spTree>
+  </p:cSld>
+  <p:clrMapOvr>
+    <a:masterClrMapping/>
+  </p:clrMapOvr>
+</p:notes>
+</file>
+
+<file path=ppt/notesSlides/notesSlide14.xml><?xml version="1.0" encoding="utf-8"?>
+<p:notes xmlns:a="http://schemas.openxmlformats.org/drawingml/2006/main" xmlns:r="http://schemas.openxmlformats.org/officeDocument/2006/relationships" xmlns:p="http://schemas.openxmlformats.org/presentationml/2006/main" showMasterSp="0" showMasterPhAnim="0">
+  <p:cSld>
+    <p:spTree>
+      <p:nvGrpSpPr>
         <p:cNvPr id="1" name="Shape 380"/>
         <p:cNvGrpSpPr/>
         <p:nvPr/>
@@ -939,7 +1374,7 @@
 </p:notes>
 </file>
 
-<file path=ppt/notesSlides/notesSlide11.xml><?xml version="1.0" encoding="utf-8"?>
+<file path=ppt/notesSlides/notesSlide15.xml><?xml version="1.0" encoding="utf-8"?>
 <p:notes xmlns:a="http://schemas.openxmlformats.org/drawingml/2006/main" xmlns:r="http://schemas.openxmlformats.org/officeDocument/2006/relationships" xmlns:p="http://schemas.openxmlformats.org/presentationml/2006/main" showMasterSp="0" showMasterPhAnim="0">
   <p:cSld>
     <p:spTree>
@@ -1665,6 +2100,11 @@
         </p:txBody>
       </p:sp>
     </p:spTree>
+    <p:extLst>
+      <p:ext uri="{BB962C8B-B14F-4D97-AF65-F5344CB8AC3E}">
+        <p14:creationId xmlns:p14="http://schemas.microsoft.com/office/powerpoint/2010/main" val="761791082"/>
+      </p:ext>
+    </p:extLst>
   </p:cSld>
   <p:clrMapOvr>
     <a:masterClrMapping/>
@@ -1677,7 +2117,7 @@
   <p:cSld>
     <p:spTree>
       <p:nvGrpSpPr>
-        <p:cNvPr id="1" name="Shape 198"/>
+        <p:cNvPr id="1" name="Shape 185"/>
         <p:cNvGrpSpPr/>
         <p:nvPr/>
       </p:nvGrpSpPr>
@@ -1691,7 +2131,7 @@
       </p:grpSpPr>
       <p:sp>
         <p:nvSpPr>
-          <p:cNvPr id="199" name="Google Shape;199;ge83ec99fb9_1_167:notes"/>
+          <p:cNvPr id="186" name="Google Shape;186;gdf29b9fb24_0_69:notes"/>
           <p:cNvSpPr>
             <a:spLocks noGrp="1" noRot="1" noChangeAspect="1"/>
           </p:cNvSpPr>
@@ -1732,7 +2172,7 @@
       </p:sp>
       <p:sp>
         <p:nvSpPr>
-          <p:cNvPr id="200" name="Google Shape;200;ge83ec99fb9_1_167:notes"/>
+          <p:cNvPr id="187" name="Google Shape;187;gdf29b9fb24_0_69:notes"/>
           <p:cNvSpPr txBox="1">
             <a:spLocks noGrp="1"/>
           </p:cNvSpPr>
@@ -1769,6 +2209,11 @@
         </p:txBody>
       </p:sp>
     </p:spTree>
+    <p:extLst>
+      <p:ext uri="{BB962C8B-B14F-4D97-AF65-F5344CB8AC3E}">
+        <p14:creationId xmlns:p14="http://schemas.microsoft.com/office/powerpoint/2010/main" val="666050021"/>
+      </p:ext>
+    </p:extLst>
   </p:cSld>
   <p:clrMapOvr>
     <a:masterClrMapping/>
@@ -1781,7 +2226,7 @@
   <p:cSld>
     <p:spTree>
       <p:nvGrpSpPr>
-        <p:cNvPr id="1" name="Shape 205"/>
+        <p:cNvPr id="1" name="Shape 185"/>
         <p:cNvGrpSpPr/>
         <p:nvPr/>
       </p:nvGrpSpPr>
@@ -1795,7 +2240,7 @@
       </p:grpSpPr>
       <p:sp>
         <p:nvSpPr>
-          <p:cNvPr id="206" name="Google Shape;206;ge04b8b6756_0_36:notes"/>
+          <p:cNvPr id="186" name="Google Shape;186;gdf29b9fb24_0_69:notes"/>
           <p:cNvSpPr>
             <a:spLocks noGrp="1" noRot="1" noChangeAspect="1"/>
           </p:cNvSpPr>
@@ -1836,7 +2281,7 @@
       </p:sp>
       <p:sp>
         <p:nvSpPr>
-          <p:cNvPr id="207" name="Google Shape;207;ge04b8b6756_0_36:notes"/>
+          <p:cNvPr id="187" name="Google Shape;187;gdf29b9fb24_0_69:notes"/>
           <p:cNvSpPr txBox="1">
             <a:spLocks noGrp="1"/>
           </p:cNvSpPr>
@@ -1873,6 +2318,11 @@
         </p:txBody>
       </p:sp>
     </p:spTree>
+    <p:extLst>
+      <p:ext uri="{BB962C8B-B14F-4D97-AF65-F5344CB8AC3E}">
+        <p14:creationId xmlns:p14="http://schemas.microsoft.com/office/powerpoint/2010/main" val="2283396553"/>
+      </p:ext>
+    </p:extLst>
   </p:cSld>
   <p:clrMapOvr>
     <a:masterClrMapping/>
@@ -8516,6 +8966,2238 @@
   <p:cSld>
     <p:spTree>
       <p:nvGrpSpPr>
+        <p:cNvPr id="1" name="Shape 188"/>
+        <p:cNvGrpSpPr/>
+        <p:nvPr/>
+      </p:nvGrpSpPr>
+      <p:grpSpPr>
+        <a:xfrm>
+          <a:off x="0" y="0"/>
+          <a:ext cx="0" cy="0"/>
+          <a:chOff x="0" y="0"/>
+          <a:chExt cx="0" cy="0"/>
+        </a:xfrm>
+      </p:grpSpPr>
+      <p:sp>
+        <p:nvSpPr>
+          <p:cNvPr id="189" name="Google Shape;189;p37"/>
+          <p:cNvSpPr txBox="1">
+            <a:spLocks noGrp="1"/>
+          </p:cNvSpPr>
+          <p:nvPr>
+            <p:ph type="title"/>
+          </p:nvPr>
+        </p:nvSpPr>
+        <p:spPr>
+          <a:xfrm>
+            <a:off x="430882" y="110056"/>
+            <a:ext cx="8520600" cy="1306200"/>
+          </a:xfrm>
+          <a:prstGeom prst="rect">
+            <a:avLst/>
+          </a:prstGeom>
+        </p:spPr>
+        <p:txBody>
+          <a:bodyPr spcFirstLastPara="1" wrap="square" lIns="91425" tIns="91425" rIns="91425" bIns="91425" anchor="t" anchorCtr="0">
+            <a:noAutofit/>
+          </a:bodyPr>
+          <a:lstStyle/>
+          <a:p>
+            <a:pPr lvl="0" algn="ctr"/>
+            <a:r>
+              <a:rPr lang="ru" dirty="0" smtClean="0"/>
+              <a:t>Задача №1. </a:t>
+            </a:r>
+            <a:r>
+              <a:rPr lang="en-US" dirty="0"/>
+              <a:t>N-</a:t>
+            </a:r>
+            <a:r>
+              <a:rPr lang="en-US" dirty="0" err="1"/>
+              <a:t>th</a:t>
+            </a:r>
+            <a:r>
+              <a:rPr lang="en-US" dirty="0"/>
+              <a:t> </a:t>
+            </a:r>
+            <a:r>
+              <a:rPr lang="en-US" dirty="0" err="1"/>
+              <a:t>Tribonacci</a:t>
+            </a:r>
+            <a:r>
+              <a:rPr lang="en-US" dirty="0"/>
+              <a:t> </a:t>
+            </a:r>
+            <a:r>
+              <a:rPr lang="en-US" dirty="0" smtClean="0"/>
+              <a:t>Number</a:t>
+            </a:r>
+            <a:r>
+              <a:rPr lang="ru-RU" dirty="0" smtClean="0"/>
+              <a:t>. Решение.</a:t>
+            </a:r>
+            <a:endParaRPr dirty="0"/>
+          </a:p>
+        </p:txBody>
+      </p:sp>
+      <p:sp>
+        <p:nvSpPr>
+          <p:cNvPr id="7" name="Google Shape;190;p37"/>
+          <p:cNvSpPr txBox="1">
+            <a:spLocks/>
+          </p:cNvSpPr>
+          <p:nvPr/>
+        </p:nvSpPr>
+        <p:spPr>
+          <a:xfrm>
+            <a:off x="204459" y="1625262"/>
+            <a:ext cx="3735977" cy="4139813"/>
+          </a:xfrm>
+          <a:prstGeom prst="rect">
+            <a:avLst/>
+          </a:prstGeom>
+          <a:noFill/>
+          <a:ln>
+            <a:noFill/>
+          </a:ln>
+        </p:spPr>
+        <p:txBody>
+          <a:bodyPr spcFirstLastPara="1" wrap="square" lIns="91425" tIns="91425" rIns="91425" bIns="91425" anchor="ctr" anchorCtr="0">
+            <a:normAutofit/>
+          </a:bodyPr>
+          <a:lstStyle>
+            <a:defPPr marR="0" lvl="0" algn="l" rtl="0">
+              <a:lnSpc>
+                <a:spcPct val="100000"/>
+              </a:lnSpc>
+              <a:spcBef>
+                <a:spcPts val="0"/>
+              </a:spcBef>
+              <a:spcAft>
+                <a:spcPts val="0"/>
+              </a:spcAft>
+            </a:defPPr>
+            <a:lvl1pPr marL="457200" marR="0" lvl="0" indent="-336550" algn="l" rtl="0">
+              <a:lnSpc>
+                <a:spcPct val="120000"/>
+              </a:lnSpc>
+              <a:spcBef>
+                <a:spcPts val="300"/>
+              </a:spcBef>
+              <a:spcAft>
+                <a:spcPts val="0"/>
+              </a:spcAft>
+              <a:buClr>
+                <a:schemeClr val="dk1"/>
+              </a:buClr>
+              <a:buSzPts val="1700"/>
+              <a:buFont typeface="Roboto"/>
+              <a:buChar char="●"/>
+              <a:defRPr sz="1700" b="0" i="0" u="none" strike="noStrike" cap="none">
+                <a:solidFill>
+                  <a:schemeClr val="dk1"/>
+                </a:solidFill>
+                <a:latin typeface="Roboto"/>
+                <a:ea typeface="Roboto"/>
+                <a:cs typeface="Roboto"/>
+                <a:sym typeface="Roboto"/>
+              </a:defRPr>
+            </a:lvl1pPr>
+            <a:lvl2pPr marL="914400" marR="0" lvl="1" indent="-317500" algn="l" rtl="0">
+              <a:lnSpc>
+                <a:spcPct val="120000"/>
+              </a:lnSpc>
+              <a:spcBef>
+                <a:spcPts val="300"/>
+              </a:spcBef>
+              <a:spcAft>
+                <a:spcPts val="0"/>
+              </a:spcAft>
+              <a:buClr>
+                <a:schemeClr val="dk1"/>
+              </a:buClr>
+              <a:buSzPts val="1400"/>
+              <a:buFont typeface="Roboto"/>
+              <a:buChar char="○"/>
+              <a:defRPr sz="1400" b="0" i="0" u="none" strike="noStrike" cap="none">
+                <a:solidFill>
+                  <a:schemeClr val="dk1"/>
+                </a:solidFill>
+                <a:latin typeface="Roboto"/>
+                <a:ea typeface="Roboto"/>
+                <a:cs typeface="Roboto"/>
+                <a:sym typeface="Roboto"/>
+              </a:defRPr>
+            </a:lvl2pPr>
+            <a:lvl3pPr marL="1371600" marR="0" lvl="2" indent="-317500" algn="l" rtl="0">
+              <a:lnSpc>
+                <a:spcPct val="120000"/>
+              </a:lnSpc>
+              <a:spcBef>
+                <a:spcPts val="300"/>
+              </a:spcBef>
+              <a:spcAft>
+                <a:spcPts val="0"/>
+              </a:spcAft>
+              <a:buClr>
+                <a:schemeClr val="dk2"/>
+              </a:buClr>
+              <a:buSzPts val="1400"/>
+              <a:buFont typeface="Roboto"/>
+              <a:buChar char="■"/>
+              <a:defRPr sz="1400" b="0" i="0" u="none" strike="noStrike" cap="none">
+                <a:solidFill>
+                  <a:schemeClr val="dk2"/>
+                </a:solidFill>
+                <a:latin typeface="Roboto"/>
+                <a:ea typeface="Roboto"/>
+                <a:cs typeface="Roboto"/>
+                <a:sym typeface="Roboto"/>
+              </a:defRPr>
+            </a:lvl3pPr>
+            <a:lvl4pPr marL="1828800" marR="0" lvl="3" indent="-317500" algn="l" rtl="0">
+              <a:lnSpc>
+                <a:spcPct val="120000"/>
+              </a:lnSpc>
+              <a:spcBef>
+                <a:spcPts val="300"/>
+              </a:spcBef>
+              <a:spcAft>
+                <a:spcPts val="0"/>
+              </a:spcAft>
+              <a:buClr>
+                <a:schemeClr val="dk2"/>
+              </a:buClr>
+              <a:buSzPts val="1400"/>
+              <a:buFont typeface="Roboto"/>
+              <a:buChar char="●"/>
+              <a:defRPr sz="1400" b="0" i="0" u="none" strike="noStrike" cap="none">
+                <a:solidFill>
+                  <a:schemeClr val="dk2"/>
+                </a:solidFill>
+                <a:latin typeface="Roboto"/>
+                <a:ea typeface="Roboto"/>
+                <a:cs typeface="Roboto"/>
+                <a:sym typeface="Roboto"/>
+              </a:defRPr>
+            </a:lvl4pPr>
+            <a:lvl5pPr marL="2286000" marR="0" lvl="4" indent="-317500" algn="l" rtl="0">
+              <a:lnSpc>
+                <a:spcPct val="120000"/>
+              </a:lnSpc>
+              <a:spcBef>
+                <a:spcPts val="0"/>
+              </a:spcBef>
+              <a:spcAft>
+                <a:spcPts val="0"/>
+              </a:spcAft>
+              <a:buClr>
+                <a:schemeClr val="dk2"/>
+              </a:buClr>
+              <a:buSzPts val="1400"/>
+              <a:buFont typeface="Roboto"/>
+              <a:buChar char="○"/>
+              <a:defRPr sz="1400" b="0" i="0" u="none" strike="noStrike" cap="none">
+                <a:solidFill>
+                  <a:schemeClr val="dk2"/>
+                </a:solidFill>
+                <a:latin typeface="Roboto"/>
+                <a:ea typeface="Roboto"/>
+                <a:cs typeface="Roboto"/>
+                <a:sym typeface="Roboto"/>
+              </a:defRPr>
+            </a:lvl5pPr>
+            <a:lvl6pPr marL="2743200" marR="0" lvl="5" indent="-317500" algn="l" rtl="0">
+              <a:lnSpc>
+                <a:spcPct val="120000"/>
+              </a:lnSpc>
+              <a:spcBef>
+                <a:spcPts val="300"/>
+              </a:spcBef>
+              <a:spcAft>
+                <a:spcPts val="0"/>
+              </a:spcAft>
+              <a:buClr>
+                <a:schemeClr val="dk2"/>
+              </a:buClr>
+              <a:buSzPts val="1400"/>
+              <a:buFont typeface="Roboto"/>
+              <a:buChar char="■"/>
+              <a:defRPr sz="1400" b="0" i="0" u="none" strike="noStrike" cap="none">
+                <a:solidFill>
+                  <a:schemeClr val="dk2"/>
+                </a:solidFill>
+                <a:latin typeface="Roboto"/>
+                <a:ea typeface="Roboto"/>
+                <a:cs typeface="Roboto"/>
+                <a:sym typeface="Roboto"/>
+              </a:defRPr>
+            </a:lvl6pPr>
+            <a:lvl7pPr marL="3200400" marR="0" lvl="6" indent="-317500" algn="l" rtl="0">
+              <a:lnSpc>
+                <a:spcPct val="120000"/>
+              </a:lnSpc>
+              <a:spcBef>
+                <a:spcPts val="300"/>
+              </a:spcBef>
+              <a:spcAft>
+                <a:spcPts val="0"/>
+              </a:spcAft>
+              <a:buClr>
+                <a:schemeClr val="dk2"/>
+              </a:buClr>
+              <a:buSzPts val="1400"/>
+              <a:buFont typeface="Roboto"/>
+              <a:buChar char="●"/>
+              <a:defRPr sz="1400" b="0" i="0" u="none" strike="noStrike" cap="none">
+                <a:solidFill>
+                  <a:schemeClr val="dk2"/>
+                </a:solidFill>
+                <a:latin typeface="Roboto"/>
+                <a:ea typeface="Roboto"/>
+                <a:cs typeface="Roboto"/>
+                <a:sym typeface="Roboto"/>
+              </a:defRPr>
+            </a:lvl7pPr>
+            <a:lvl8pPr marL="3657600" marR="0" lvl="7" indent="-317500" algn="l" rtl="0">
+              <a:lnSpc>
+                <a:spcPct val="120000"/>
+              </a:lnSpc>
+              <a:spcBef>
+                <a:spcPts val="300"/>
+              </a:spcBef>
+              <a:spcAft>
+                <a:spcPts val="0"/>
+              </a:spcAft>
+              <a:buClr>
+                <a:schemeClr val="dk2"/>
+              </a:buClr>
+              <a:buSzPts val="1400"/>
+              <a:buFont typeface="Roboto"/>
+              <a:buChar char="○"/>
+              <a:defRPr sz="1400" b="0" i="0" u="none" strike="noStrike" cap="none">
+                <a:solidFill>
+                  <a:schemeClr val="dk2"/>
+                </a:solidFill>
+                <a:latin typeface="Roboto"/>
+                <a:ea typeface="Roboto"/>
+                <a:cs typeface="Roboto"/>
+                <a:sym typeface="Roboto"/>
+              </a:defRPr>
+            </a:lvl8pPr>
+            <a:lvl9pPr marL="4114800" marR="0" lvl="8" indent="-317500" algn="l" rtl="0">
+              <a:lnSpc>
+                <a:spcPct val="120000"/>
+              </a:lnSpc>
+              <a:spcBef>
+                <a:spcPts val="300"/>
+              </a:spcBef>
+              <a:spcAft>
+                <a:spcPts val="0"/>
+              </a:spcAft>
+              <a:buClr>
+                <a:schemeClr val="dk2"/>
+              </a:buClr>
+              <a:buSzPts val="1400"/>
+              <a:buFont typeface="Roboto"/>
+              <a:buChar char="■"/>
+              <a:defRPr sz="1400" b="0" i="0" u="none" strike="noStrike" cap="none">
+                <a:solidFill>
+                  <a:schemeClr val="dk2"/>
+                </a:solidFill>
+                <a:latin typeface="Roboto"/>
+                <a:ea typeface="Roboto"/>
+                <a:cs typeface="Roboto"/>
+                <a:sym typeface="Roboto"/>
+              </a:defRPr>
+            </a:lvl9pPr>
+          </a:lstStyle>
+          <a:p>
+            <a:pPr marL="120650" indent="0">
+              <a:lnSpc>
+                <a:spcPct val="100000"/>
+              </a:lnSpc>
+              <a:spcBef>
+                <a:spcPts val="0"/>
+              </a:spcBef>
+              <a:buFont typeface="Roboto"/>
+              <a:buNone/>
+            </a:pPr>
+            <a:r>
+              <a:rPr lang="ru-RU" dirty="0" smtClean="0"/>
+              <a:t>Итеративное решение. </a:t>
+            </a:r>
+            <a:endParaRPr lang="en-US" dirty="0" smtClean="0"/>
+          </a:p>
+          <a:p>
+            <a:pPr marL="120650" indent="0">
+              <a:lnSpc>
+                <a:spcPct val="100000"/>
+              </a:lnSpc>
+              <a:spcBef>
+                <a:spcPts val="0"/>
+              </a:spcBef>
+              <a:buFont typeface="Roboto"/>
+              <a:buNone/>
+            </a:pPr>
+            <a:endParaRPr lang="en-US" dirty="0"/>
+          </a:p>
+          <a:p>
+            <a:pPr marL="120650" indent="0">
+              <a:lnSpc>
+                <a:spcPct val="100000"/>
+              </a:lnSpc>
+              <a:spcBef>
+                <a:spcPts val="0"/>
+              </a:spcBef>
+              <a:buFont typeface="Roboto"/>
+              <a:buNone/>
+            </a:pPr>
+            <a:r>
+              <a:rPr lang="ru-RU" dirty="0" smtClean="0"/>
+              <a:t>Сложность линейная </a:t>
+            </a:r>
+          </a:p>
+          <a:p>
+            <a:pPr marL="120650" indent="0">
+              <a:lnSpc>
+                <a:spcPct val="100000"/>
+              </a:lnSpc>
+              <a:spcBef>
+                <a:spcPts val="0"/>
+              </a:spcBef>
+              <a:buFont typeface="Roboto"/>
+              <a:buNone/>
+            </a:pPr>
+            <a:r>
+              <a:rPr lang="en-US" dirty="0" smtClean="0"/>
+              <a:t>O(n)</a:t>
+            </a:r>
+            <a:r>
+              <a:rPr lang="ru-RU" dirty="0" smtClean="0"/>
+              <a:t>.</a:t>
+            </a:r>
+            <a:endParaRPr lang="en-US" dirty="0" smtClean="0"/>
+          </a:p>
+        </p:txBody>
+      </p:sp>
+      <p:pic>
+        <p:nvPicPr>
+          <p:cNvPr id="3" name="Рисунок 2"/>
+          <p:cNvPicPr>
+            <a:picLocks noChangeAspect="1"/>
+          </p:cNvPicPr>
+          <p:nvPr/>
+        </p:nvPicPr>
+        <p:blipFill rotWithShape="1">
+          <a:blip r:embed="rId3"/>
+          <a:srcRect l="4930" t="3065"/>
+          <a:stretch/>
+        </p:blipFill>
+        <p:spPr>
+          <a:xfrm>
+            <a:off x="4824548" y="1625262"/>
+            <a:ext cx="3632380" cy="4162697"/>
+          </a:xfrm>
+          <a:prstGeom prst="rect">
+            <a:avLst/>
+          </a:prstGeom>
+        </p:spPr>
+      </p:pic>
+    </p:spTree>
+    <p:extLst>
+      <p:ext uri="{BB962C8B-B14F-4D97-AF65-F5344CB8AC3E}">
+        <p14:creationId xmlns:p14="http://schemas.microsoft.com/office/powerpoint/2010/main" val="4244910851"/>
+      </p:ext>
+    </p:extLst>
+  </p:cSld>
+  <p:clrMapOvr>
+    <a:masterClrMapping/>
+  </p:clrMapOvr>
+  <p:timing>
+    <p:tnLst>
+      <p:par>
+        <p:cTn id="1" dur="indefinite" restart="never" nodeType="tmRoot"/>
+      </p:par>
+    </p:tnLst>
+  </p:timing>
+</p:sld>
+</file>
+
+<file path=ppt/slides/slide11.xml><?xml version="1.0" encoding="utf-8"?>
+<p:sld xmlns:a="http://schemas.openxmlformats.org/drawingml/2006/main" xmlns:r="http://schemas.openxmlformats.org/officeDocument/2006/relationships" xmlns:p="http://schemas.openxmlformats.org/presentationml/2006/main">
+  <p:cSld>
+    <p:spTree>
+      <p:nvGrpSpPr>
+        <p:cNvPr id="1" name="Shape 188"/>
+        <p:cNvGrpSpPr/>
+        <p:nvPr/>
+      </p:nvGrpSpPr>
+      <p:grpSpPr>
+        <a:xfrm>
+          <a:off x="0" y="0"/>
+          <a:ext cx="0" cy="0"/>
+          <a:chOff x="0" y="0"/>
+          <a:chExt cx="0" cy="0"/>
+        </a:xfrm>
+      </p:grpSpPr>
+      <p:sp>
+        <p:nvSpPr>
+          <p:cNvPr id="189" name="Google Shape;189;p37"/>
+          <p:cNvSpPr txBox="1">
+            <a:spLocks noGrp="1"/>
+          </p:cNvSpPr>
+          <p:nvPr>
+            <p:ph type="title"/>
+          </p:nvPr>
+        </p:nvSpPr>
+        <p:spPr>
+          <a:xfrm>
+            <a:off x="430882" y="110056"/>
+            <a:ext cx="8520600" cy="1306200"/>
+          </a:xfrm>
+          <a:prstGeom prst="rect">
+            <a:avLst/>
+          </a:prstGeom>
+        </p:spPr>
+        <p:txBody>
+          <a:bodyPr spcFirstLastPara="1" wrap="square" lIns="91425" tIns="91425" rIns="91425" bIns="91425" anchor="t" anchorCtr="0">
+            <a:noAutofit/>
+          </a:bodyPr>
+          <a:lstStyle/>
+          <a:p>
+            <a:pPr lvl="0" algn="ctr"/>
+            <a:r>
+              <a:rPr lang="ru" dirty="0" smtClean="0"/>
+              <a:t>Задача №1. </a:t>
+            </a:r>
+            <a:r>
+              <a:rPr lang="en-US" dirty="0"/>
+              <a:t>N-</a:t>
+            </a:r>
+            <a:r>
+              <a:rPr lang="en-US" dirty="0" err="1"/>
+              <a:t>th</a:t>
+            </a:r>
+            <a:r>
+              <a:rPr lang="en-US" dirty="0"/>
+              <a:t> </a:t>
+            </a:r>
+            <a:r>
+              <a:rPr lang="en-US" dirty="0" err="1"/>
+              <a:t>Tribonacci</a:t>
+            </a:r>
+            <a:r>
+              <a:rPr lang="en-US" dirty="0"/>
+              <a:t> </a:t>
+            </a:r>
+            <a:r>
+              <a:rPr lang="en-US" dirty="0" smtClean="0"/>
+              <a:t>Number</a:t>
+            </a:r>
+            <a:r>
+              <a:rPr lang="ru-RU" dirty="0" smtClean="0"/>
+              <a:t>. Решение.</a:t>
+            </a:r>
+            <a:endParaRPr dirty="0"/>
+          </a:p>
+        </p:txBody>
+      </p:sp>
+      <p:sp>
+        <p:nvSpPr>
+          <p:cNvPr id="7" name="Google Shape;190;p37"/>
+          <p:cNvSpPr txBox="1">
+            <a:spLocks/>
+          </p:cNvSpPr>
+          <p:nvPr/>
+        </p:nvSpPr>
+        <p:spPr>
+          <a:xfrm>
+            <a:off x="204460" y="1625262"/>
+            <a:ext cx="3383472" cy="4139813"/>
+          </a:xfrm>
+          <a:prstGeom prst="rect">
+            <a:avLst/>
+          </a:prstGeom>
+          <a:noFill/>
+          <a:ln>
+            <a:noFill/>
+          </a:ln>
+        </p:spPr>
+        <p:txBody>
+          <a:bodyPr spcFirstLastPara="1" wrap="square" lIns="91425" tIns="91425" rIns="91425" bIns="91425" anchor="ctr" anchorCtr="0">
+            <a:normAutofit/>
+          </a:bodyPr>
+          <a:lstStyle>
+            <a:defPPr marR="0" lvl="0" algn="l" rtl="0">
+              <a:lnSpc>
+                <a:spcPct val="100000"/>
+              </a:lnSpc>
+              <a:spcBef>
+                <a:spcPts val="0"/>
+              </a:spcBef>
+              <a:spcAft>
+                <a:spcPts val="0"/>
+              </a:spcAft>
+            </a:defPPr>
+            <a:lvl1pPr marL="457200" marR="0" lvl="0" indent="-336550" algn="l" rtl="0">
+              <a:lnSpc>
+                <a:spcPct val="120000"/>
+              </a:lnSpc>
+              <a:spcBef>
+                <a:spcPts val="300"/>
+              </a:spcBef>
+              <a:spcAft>
+                <a:spcPts val="0"/>
+              </a:spcAft>
+              <a:buClr>
+                <a:schemeClr val="dk1"/>
+              </a:buClr>
+              <a:buSzPts val="1700"/>
+              <a:buFont typeface="Roboto"/>
+              <a:buChar char="●"/>
+              <a:defRPr sz="1700" b="0" i="0" u="none" strike="noStrike" cap="none">
+                <a:solidFill>
+                  <a:schemeClr val="dk1"/>
+                </a:solidFill>
+                <a:latin typeface="Roboto"/>
+                <a:ea typeface="Roboto"/>
+                <a:cs typeface="Roboto"/>
+                <a:sym typeface="Roboto"/>
+              </a:defRPr>
+            </a:lvl1pPr>
+            <a:lvl2pPr marL="914400" marR="0" lvl="1" indent="-317500" algn="l" rtl="0">
+              <a:lnSpc>
+                <a:spcPct val="120000"/>
+              </a:lnSpc>
+              <a:spcBef>
+                <a:spcPts val="300"/>
+              </a:spcBef>
+              <a:spcAft>
+                <a:spcPts val="0"/>
+              </a:spcAft>
+              <a:buClr>
+                <a:schemeClr val="dk1"/>
+              </a:buClr>
+              <a:buSzPts val="1400"/>
+              <a:buFont typeface="Roboto"/>
+              <a:buChar char="○"/>
+              <a:defRPr sz="1400" b="0" i="0" u="none" strike="noStrike" cap="none">
+                <a:solidFill>
+                  <a:schemeClr val="dk1"/>
+                </a:solidFill>
+                <a:latin typeface="Roboto"/>
+                <a:ea typeface="Roboto"/>
+                <a:cs typeface="Roboto"/>
+                <a:sym typeface="Roboto"/>
+              </a:defRPr>
+            </a:lvl2pPr>
+            <a:lvl3pPr marL="1371600" marR="0" lvl="2" indent="-317500" algn="l" rtl="0">
+              <a:lnSpc>
+                <a:spcPct val="120000"/>
+              </a:lnSpc>
+              <a:spcBef>
+                <a:spcPts val="300"/>
+              </a:spcBef>
+              <a:spcAft>
+                <a:spcPts val="0"/>
+              </a:spcAft>
+              <a:buClr>
+                <a:schemeClr val="dk2"/>
+              </a:buClr>
+              <a:buSzPts val="1400"/>
+              <a:buFont typeface="Roboto"/>
+              <a:buChar char="■"/>
+              <a:defRPr sz="1400" b="0" i="0" u="none" strike="noStrike" cap="none">
+                <a:solidFill>
+                  <a:schemeClr val="dk2"/>
+                </a:solidFill>
+                <a:latin typeface="Roboto"/>
+                <a:ea typeface="Roboto"/>
+                <a:cs typeface="Roboto"/>
+                <a:sym typeface="Roboto"/>
+              </a:defRPr>
+            </a:lvl3pPr>
+            <a:lvl4pPr marL="1828800" marR="0" lvl="3" indent="-317500" algn="l" rtl="0">
+              <a:lnSpc>
+                <a:spcPct val="120000"/>
+              </a:lnSpc>
+              <a:spcBef>
+                <a:spcPts val="300"/>
+              </a:spcBef>
+              <a:spcAft>
+                <a:spcPts val="0"/>
+              </a:spcAft>
+              <a:buClr>
+                <a:schemeClr val="dk2"/>
+              </a:buClr>
+              <a:buSzPts val="1400"/>
+              <a:buFont typeface="Roboto"/>
+              <a:buChar char="●"/>
+              <a:defRPr sz="1400" b="0" i="0" u="none" strike="noStrike" cap="none">
+                <a:solidFill>
+                  <a:schemeClr val="dk2"/>
+                </a:solidFill>
+                <a:latin typeface="Roboto"/>
+                <a:ea typeface="Roboto"/>
+                <a:cs typeface="Roboto"/>
+                <a:sym typeface="Roboto"/>
+              </a:defRPr>
+            </a:lvl4pPr>
+            <a:lvl5pPr marL="2286000" marR="0" lvl="4" indent="-317500" algn="l" rtl="0">
+              <a:lnSpc>
+                <a:spcPct val="120000"/>
+              </a:lnSpc>
+              <a:spcBef>
+                <a:spcPts val="0"/>
+              </a:spcBef>
+              <a:spcAft>
+                <a:spcPts val="0"/>
+              </a:spcAft>
+              <a:buClr>
+                <a:schemeClr val="dk2"/>
+              </a:buClr>
+              <a:buSzPts val="1400"/>
+              <a:buFont typeface="Roboto"/>
+              <a:buChar char="○"/>
+              <a:defRPr sz="1400" b="0" i="0" u="none" strike="noStrike" cap="none">
+                <a:solidFill>
+                  <a:schemeClr val="dk2"/>
+                </a:solidFill>
+                <a:latin typeface="Roboto"/>
+                <a:ea typeface="Roboto"/>
+                <a:cs typeface="Roboto"/>
+                <a:sym typeface="Roboto"/>
+              </a:defRPr>
+            </a:lvl5pPr>
+            <a:lvl6pPr marL="2743200" marR="0" lvl="5" indent="-317500" algn="l" rtl="0">
+              <a:lnSpc>
+                <a:spcPct val="120000"/>
+              </a:lnSpc>
+              <a:spcBef>
+                <a:spcPts val="300"/>
+              </a:spcBef>
+              <a:spcAft>
+                <a:spcPts val="0"/>
+              </a:spcAft>
+              <a:buClr>
+                <a:schemeClr val="dk2"/>
+              </a:buClr>
+              <a:buSzPts val="1400"/>
+              <a:buFont typeface="Roboto"/>
+              <a:buChar char="■"/>
+              <a:defRPr sz="1400" b="0" i="0" u="none" strike="noStrike" cap="none">
+                <a:solidFill>
+                  <a:schemeClr val="dk2"/>
+                </a:solidFill>
+                <a:latin typeface="Roboto"/>
+                <a:ea typeface="Roboto"/>
+                <a:cs typeface="Roboto"/>
+                <a:sym typeface="Roboto"/>
+              </a:defRPr>
+            </a:lvl6pPr>
+            <a:lvl7pPr marL="3200400" marR="0" lvl="6" indent="-317500" algn="l" rtl="0">
+              <a:lnSpc>
+                <a:spcPct val="120000"/>
+              </a:lnSpc>
+              <a:spcBef>
+                <a:spcPts val="300"/>
+              </a:spcBef>
+              <a:spcAft>
+                <a:spcPts val="0"/>
+              </a:spcAft>
+              <a:buClr>
+                <a:schemeClr val="dk2"/>
+              </a:buClr>
+              <a:buSzPts val="1400"/>
+              <a:buFont typeface="Roboto"/>
+              <a:buChar char="●"/>
+              <a:defRPr sz="1400" b="0" i="0" u="none" strike="noStrike" cap="none">
+                <a:solidFill>
+                  <a:schemeClr val="dk2"/>
+                </a:solidFill>
+                <a:latin typeface="Roboto"/>
+                <a:ea typeface="Roboto"/>
+                <a:cs typeface="Roboto"/>
+                <a:sym typeface="Roboto"/>
+              </a:defRPr>
+            </a:lvl7pPr>
+            <a:lvl8pPr marL="3657600" marR="0" lvl="7" indent="-317500" algn="l" rtl="0">
+              <a:lnSpc>
+                <a:spcPct val="120000"/>
+              </a:lnSpc>
+              <a:spcBef>
+                <a:spcPts val="300"/>
+              </a:spcBef>
+              <a:spcAft>
+                <a:spcPts val="0"/>
+              </a:spcAft>
+              <a:buClr>
+                <a:schemeClr val="dk2"/>
+              </a:buClr>
+              <a:buSzPts val="1400"/>
+              <a:buFont typeface="Roboto"/>
+              <a:buChar char="○"/>
+              <a:defRPr sz="1400" b="0" i="0" u="none" strike="noStrike" cap="none">
+                <a:solidFill>
+                  <a:schemeClr val="dk2"/>
+                </a:solidFill>
+                <a:latin typeface="Roboto"/>
+                <a:ea typeface="Roboto"/>
+                <a:cs typeface="Roboto"/>
+                <a:sym typeface="Roboto"/>
+              </a:defRPr>
+            </a:lvl8pPr>
+            <a:lvl9pPr marL="4114800" marR="0" lvl="8" indent="-317500" algn="l" rtl="0">
+              <a:lnSpc>
+                <a:spcPct val="120000"/>
+              </a:lnSpc>
+              <a:spcBef>
+                <a:spcPts val="300"/>
+              </a:spcBef>
+              <a:spcAft>
+                <a:spcPts val="0"/>
+              </a:spcAft>
+              <a:buClr>
+                <a:schemeClr val="dk2"/>
+              </a:buClr>
+              <a:buSzPts val="1400"/>
+              <a:buFont typeface="Roboto"/>
+              <a:buChar char="■"/>
+              <a:defRPr sz="1400" b="0" i="0" u="none" strike="noStrike" cap="none">
+                <a:solidFill>
+                  <a:schemeClr val="dk2"/>
+                </a:solidFill>
+                <a:latin typeface="Roboto"/>
+                <a:ea typeface="Roboto"/>
+                <a:cs typeface="Roboto"/>
+                <a:sym typeface="Roboto"/>
+              </a:defRPr>
+            </a:lvl9pPr>
+          </a:lstStyle>
+          <a:p>
+            <a:pPr marL="120650" lvl="0" indent="0">
+              <a:lnSpc>
+                <a:spcPct val="100000"/>
+              </a:lnSpc>
+              <a:spcBef>
+                <a:spcPts val="0"/>
+              </a:spcBef>
+              <a:buNone/>
+            </a:pPr>
+            <a:r>
+              <a:rPr lang="ru-RU" dirty="0" smtClean="0"/>
+              <a:t>Решение через </a:t>
+            </a:r>
+            <a:r>
+              <a:rPr lang="ru-RU" dirty="0" smtClean="0">
+                <a:hlinkClick r:id="rId3"/>
+              </a:rPr>
+              <a:t>матрицу перехода</a:t>
+            </a:r>
+            <a:r>
+              <a:rPr lang="ru-RU" dirty="0"/>
+              <a:t>.</a:t>
+            </a:r>
+            <a:endParaRPr lang="ru-RU" dirty="0" smtClean="0"/>
+          </a:p>
+          <a:p>
+            <a:pPr marL="120650" indent="0">
+              <a:lnSpc>
+                <a:spcPct val="100000"/>
+              </a:lnSpc>
+              <a:spcBef>
+                <a:spcPts val="0"/>
+              </a:spcBef>
+              <a:buFont typeface="Roboto"/>
+              <a:buNone/>
+            </a:pPr>
+            <a:endParaRPr lang="en-US" dirty="0" smtClean="0"/>
+          </a:p>
+          <a:p>
+            <a:pPr marL="120650" indent="0">
+              <a:lnSpc>
+                <a:spcPct val="100000"/>
+              </a:lnSpc>
+              <a:spcBef>
+                <a:spcPts val="0"/>
+              </a:spcBef>
+              <a:buFont typeface="Roboto"/>
+              <a:buNone/>
+            </a:pPr>
+            <a:endParaRPr lang="ru-RU" dirty="0" smtClean="0"/>
+          </a:p>
+          <a:p>
+            <a:pPr marL="120650" indent="0">
+              <a:lnSpc>
+                <a:spcPct val="100000"/>
+              </a:lnSpc>
+              <a:spcBef>
+                <a:spcPts val="0"/>
+              </a:spcBef>
+              <a:buFont typeface="Roboto"/>
+              <a:buNone/>
+            </a:pPr>
+            <a:endParaRPr lang="ru-RU" dirty="0"/>
+          </a:p>
+          <a:p>
+            <a:pPr marL="120650" indent="0">
+              <a:lnSpc>
+                <a:spcPct val="100000"/>
+              </a:lnSpc>
+              <a:spcBef>
+                <a:spcPts val="0"/>
+              </a:spcBef>
+              <a:buFont typeface="Roboto"/>
+              <a:buNone/>
+            </a:pPr>
+            <a:endParaRPr lang="ru-RU" dirty="0" smtClean="0"/>
+          </a:p>
+          <a:p>
+            <a:pPr marL="120650" indent="0">
+              <a:lnSpc>
+                <a:spcPct val="100000"/>
+              </a:lnSpc>
+              <a:spcBef>
+                <a:spcPts val="0"/>
+              </a:spcBef>
+              <a:buFont typeface="Roboto"/>
+              <a:buNone/>
+            </a:pPr>
+            <a:endParaRPr lang="ru-RU" dirty="0"/>
+          </a:p>
+          <a:p>
+            <a:pPr marL="120650" indent="0">
+              <a:lnSpc>
+                <a:spcPct val="100000"/>
+              </a:lnSpc>
+              <a:spcBef>
+                <a:spcPts val="0"/>
+              </a:spcBef>
+              <a:buFont typeface="Roboto"/>
+              <a:buNone/>
+            </a:pPr>
+            <a:endParaRPr lang="ru-RU" dirty="0" smtClean="0"/>
+          </a:p>
+          <a:p>
+            <a:pPr marL="120650" indent="0">
+              <a:lnSpc>
+                <a:spcPct val="100000"/>
+              </a:lnSpc>
+              <a:spcBef>
+                <a:spcPts val="0"/>
+              </a:spcBef>
+              <a:buFont typeface="Roboto"/>
+              <a:buNone/>
+            </a:pPr>
+            <a:endParaRPr lang="ru-RU" dirty="0" smtClean="0"/>
+          </a:p>
+          <a:p>
+            <a:pPr marL="120650" indent="0">
+              <a:lnSpc>
+                <a:spcPct val="100000"/>
+              </a:lnSpc>
+              <a:spcBef>
+                <a:spcPts val="0"/>
+              </a:spcBef>
+              <a:buFont typeface="Roboto"/>
+              <a:buNone/>
+            </a:pPr>
+            <a:endParaRPr lang="en-US" dirty="0"/>
+          </a:p>
+          <a:p>
+            <a:pPr marL="120650" indent="0">
+              <a:lnSpc>
+                <a:spcPct val="100000"/>
+              </a:lnSpc>
+              <a:spcBef>
+                <a:spcPts val="0"/>
+              </a:spcBef>
+              <a:buFont typeface="Roboto"/>
+              <a:buNone/>
+            </a:pPr>
+            <a:r>
+              <a:rPr lang="ru-RU" dirty="0" smtClean="0"/>
+              <a:t>Сложность логарифмическая.</a:t>
+            </a:r>
+            <a:endParaRPr lang="en-US" dirty="0" smtClean="0"/>
+          </a:p>
+        </p:txBody>
+      </p:sp>
+      <p:pic>
+        <p:nvPicPr>
+          <p:cNvPr id="3" name="Рисунок 2"/>
+          <p:cNvPicPr>
+            <a:picLocks noChangeAspect="1"/>
+          </p:cNvPicPr>
+          <p:nvPr/>
+        </p:nvPicPr>
+        <p:blipFill>
+          <a:blip r:embed="rId4"/>
+          <a:stretch>
+            <a:fillRect/>
+          </a:stretch>
+        </p:blipFill>
+        <p:spPr>
+          <a:xfrm>
+            <a:off x="430882" y="3123668"/>
+            <a:ext cx="2571750" cy="1143000"/>
+          </a:xfrm>
+          <a:prstGeom prst="rect">
+            <a:avLst/>
+          </a:prstGeom>
+        </p:spPr>
+      </p:pic>
+      <p:pic>
+        <p:nvPicPr>
+          <p:cNvPr id="5" name="Рисунок 4"/>
+          <p:cNvPicPr>
+            <a:picLocks noChangeAspect="1"/>
+          </p:cNvPicPr>
+          <p:nvPr/>
+        </p:nvPicPr>
+        <p:blipFill rotWithShape="1">
+          <a:blip r:embed="rId5"/>
+          <a:srcRect l="8869" t="2182" b="1769"/>
+          <a:stretch/>
+        </p:blipFill>
+        <p:spPr>
+          <a:xfrm>
+            <a:off x="3253686" y="1500608"/>
+            <a:ext cx="5697796" cy="4389120"/>
+          </a:xfrm>
+          <a:prstGeom prst="rect">
+            <a:avLst/>
+          </a:prstGeom>
+        </p:spPr>
+      </p:pic>
+    </p:spTree>
+    <p:extLst>
+      <p:ext uri="{BB962C8B-B14F-4D97-AF65-F5344CB8AC3E}">
+        <p14:creationId xmlns:p14="http://schemas.microsoft.com/office/powerpoint/2010/main" val="3263948962"/>
+      </p:ext>
+    </p:extLst>
+  </p:cSld>
+  <p:clrMapOvr>
+    <a:masterClrMapping/>
+  </p:clrMapOvr>
+  <p:timing>
+    <p:tnLst>
+      <p:par>
+        <p:cTn id="1" dur="indefinite" restart="never" nodeType="tmRoot"/>
+      </p:par>
+    </p:tnLst>
+  </p:timing>
+</p:sld>
+</file>
+
+<file path=ppt/slides/slide12.xml><?xml version="1.0" encoding="utf-8"?>
+<p:sld xmlns:a="http://schemas.openxmlformats.org/drawingml/2006/main" xmlns:r="http://schemas.openxmlformats.org/officeDocument/2006/relationships" xmlns:p="http://schemas.openxmlformats.org/presentationml/2006/main">
+  <p:cSld>
+    <p:spTree>
+      <p:nvGrpSpPr>
+        <p:cNvPr id="1" name="Shape 188"/>
+        <p:cNvGrpSpPr/>
+        <p:nvPr/>
+      </p:nvGrpSpPr>
+      <p:grpSpPr>
+        <a:xfrm>
+          <a:off x="0" y="0"/>
+          <a:ext cx="0" cy="0"/>
+          <a:chOff x="0" y="0"/>
+          <a:chExt cx="0" cy="0"/>
+        </a:xfrm>
+      </p:grpSpPr>
+      <p:sp>
+        <p:nvSpPr>
+          <p:cNvPr id="189" name="Google Shape;189;p37"/>
+          <p:cNvSpPr txBox="1">
+            <a:spLocks noGrp="1"/>
+          </p:cNvSpPr>
+          <p:nvPr>
+            <p:ph type="title"/>
+          </p:nvPr>
+        </p:nvSpPr>
+        <p:spPr>
+          <a:xfrm>
+            <a:off x="430882" y="110056"/>
+            <a:ext cx="8520600" cy="1306200"/>
+          </a:xfrm>
+          <a:prstGeom prst="rect">
+            <a:avLst/>
+          </a:prstGeom>
+        </p:spPr>
+        <p:txBody>
+          <a:bodyPr spcFirstLastPara="1" wrap="square" lIns="91425" tIns="91425" rIns="91425" bIns="91425" anchor="t" anchorCtr="0">
+            <a:noAutofit/>
+          </a:bodyPr>
+          <a:lstStyle/>
+          <a:p>
+            <a:pPr lvl="0" algn="ctr"/>
+            <a:r>
+              <a:rPr lang="ru" dirty="0" smtClean="0"/>
+              <a:t>Задача №1. </a:t>
+            </a:r>
+            <a:r>
+              <a:rPr lang="en-US" dirty="0"/>
+              <a:t>N-</a:t>
+            </a:r>
+            <a:r>
+              <a:rPr lang="en-US" dirty="0" err="1"/>
+              <a:t>th</a:t>
+            </a:r>
+            <a:r>
+              <a:rPr lang="en-US" dirty="0"/>
+              <a:t> </a:t>
+            </a:r>
+            <a:r>
+              <a:rPr lang="en-US" dirty="0" err="1"/>
+              <a:t>Tribonacci</a:t>
+            </a:r>
+            <a:r>
+              <a:rPr lang="en-US" dirty="0"/>
+              <a:t> </a:t>
+            </a:r>
+            <a:r>
+              <a:rPr lang="en-US" dirty="0" smtClean="0"/>
+              <a:t>Number</a:t>
+            </a:r>
+            <a:r>
+              <a:rPr lang="ru-RU" dirty="0" smtClean="0"/>
+              <a:t>. Результат.</a:t>
+            </a:r>
+            <a:endParaRPr dirty="0"/>
+          </a:p>
+        </p:txBody>
+      </p:sp>
+      <p:pic>
+        <p:nvPicPr>
+          <p:cNvPr id="3" name="Рисунок 2"/>
+          <p:cNvPicPr>
+            <a:picLocks noChangeAspect="1"/>
+          </p:cNvPicPr>
+          <p:nvPr/>
+        </p:nvPicPr>
+        <p:blipFill>
+          <a:blip r:embed="rId3"/>
+          <a:stretch>
+            <a:fillRect/>
+          </a:stretch>
+        </p:blipFill>
+        <p:spPr>
+          <a:xfrm>
+            <a:off x="161925" y="2238375"/>
+            <a:ext cx="7188109" cy="2303122"/>
+          </a:xfrm>
+          <a:prstGeom prst="rect">
+            <a:avLst/>
+          </a:prstGeom>
+        </p:spPr>
+      </p:pic>
+      <p:sp>
+        <p:nvSpPr>
+          <p:cNvPr id="6" name="Google Shape;190;p37"/>
+          <p:cNvSpPr txBox="1">
+            <a:spLocks/>
+          </p:cNvSpPr>
+          <p:nvPr/>
+        </p:nvSpPr>
+        <p:spPr>
+          <a:xfrm>
+            <a:off x="7262948" y="2238375"/>
+            <a:ext cx="1881052" cy="2303121"/>
+          </a:xfrm>
+          <a:prstGeom prst="rect">
+            <a:avLst/>
+          </a:prstGeom>
+          <a:noFill/>
+          <a:ln>
+            <a:noFill/>
+          </a:ln>
+        </p:spPr>
+        <p:txBody>
+          <a:bodyPr spcFirstLastPara="1" wrap="square" lIns="91425" tIns="91425" rIns="91425" bIns="91425" anchor="ctr" anchorCtr="0">
+            <a:normAutofit fontScale="85000" lnSpcReduction="20000"/>
+          </a:bodyPr>
+          <a:lstStyle>
+            <a:defPPr marR="0" lvl="0" algn="l" rtl="0">
+              <a:lnSpc>
+                <a:spcPct val="100000"/>
+              </a:lnSpc>
+              <a:spcBef>
+                <a:spcPts val="0"/>
+              </a:spcBef>
+              <a:spcAft>
+                <a:spcPts val="0"/>
+              </a:spcAft>
+            </a:defPPr>
+            <a:lvl1pPr marL="457200" marR="0" lvl="0" indent="-336550" algn="l" rtl="0">
+              <a:lnSpc>
+                <a:spcPct val="120000"/>
+              </a:lnSpc>
+              <a:spcBef>
+                <a:spcPts val="300"/>
+              </a:spcBef>
+              <a:spcAft>
+                <a:spcPts val="0"/>
+              </a:spcAft>
+              <a:buClr>
+                <a:schemeClr val="dk1"/>
+              </a:buClr>
+              <a:buSzPts val="1700"/>
+              <a:buFont typeface="Roboto"/>
+              <a:buChar char="●"/>
+              <a:defRPr sz="1700" b="0" i="0" u="none" strike="noStrike" cap="none">
+                <a:solidFill>
+                  <a:schemeClr val="dk1"/>
+                </a:solidFill>
+                <a:latin typeface="Roboto"/>
+                <a:ea typeface="Roboto"/>
+                <a:cs typeface="Roboto"/>
+                <a:sym typeface="Roboto"/>
+              </a:defRPr>
+            </a:lvl1pPr>
+            <a:lvl2pPr marL="914400" marR="0" lvl="1" indent="-317500" algn="l" rtl="0">
+              <a:lnSpc>
+                <a:spcPct val="120000"/>
+              </a:lnSpc>
+              <a:spcBef>
+                <a:spcPts val="300"/>
+              </a:spcBef>
+              <a:spcAft>
+                <a:spcPts val="0"/>
+              </a:spcAft>
+              <a:buClr>
+                <a:schemeClr val="dk1"/>
+              </a:buClr>
+              <a:buSzPts val="1400"/>
+              <a:buFont typeface="Roboto"/>
+              <a:buChar char="○"/>
+              <a:defRPr sz="1400" b="0" i="0" u="none" strike="noStrike" cap="none">
+                <a:solidFill>
+                  <a:schemeClr val="dk1"/>
+                </a:solidFill>
+                <a:latin typeface="Roboto"/>
+                <a:ea typeface="Roboto"/>
+                <a:cs typeface="Roboto"/>
+                <a:sym typeface="Roboto"/>
+              </a:defRPr>
+            </a:lvl2pPr>
+            <a:lvl3pPr marL="1371600" marR="0" lvl="2" indent="-317500" algn="l" rtl="0">
+              <a:lnSpc>
+                <a:spcPct val="120000"/>
+              </a:lnSpc>
+              <a:spcBef>
+                <a:spcPts val="300"/>
+              </a:spcBef>
+              <a:spcAft>
+                <a:spcPts val="0"/>
+              </a:spcAft>
+              <a:buClr>
+                <a:schemeClr val="dk2"/>
+              </a:buClr>
+              <a:buSzPts val="1400"/>
+              <a:buFont typeface="Roboto"/>
+              <a:buChar char="■"/>
+              <a:defRPr sz="1400" b="0" i="0" u="none" strike="noStrike" cap="none">
+                <a:solidFill>
+                  <a:schemeClr val="dk2"/>
+                </a:solidFill>
+                <a:latin typeface="Roboto"/>
+                <a:ea typeface="Roboto"/>
+                <a:cs typeface="Roboto"/>
+                <a:sym typeface="Roboto"/>
+              </a:defRPr>
+            </a:lvl3pPr>
+            <a:lvl4pPr marL="1828800" marR="0" lvl="3" indent="-317500" algn="l" rtl="0">
+              <a:lnSpc>
+                <a:spcPct val="120000"/>
+              </a:lnSpc>
+              <a:spcBef>
+                <a:spcPts val="300"/>
+              </a:spcBef>
+              <a:spcAft>
+                <a:spcPts val="0"/>
+              </a:spcAft>
+              <a:buClr>
+                <a:schemeClr val="dk2"/>
+              </a:buClr>
+              <a:buSzPts val="1400"/>
+              <a:buFont typeface="Roboto"/>
+              <a:buChar char="●"/>
+              <a:defRPr sz="1400" b="0" i="0" u="none" strike="noStrike" cap="none">
+                <a:solidFill>
+                  <a:schemeClr val="dk2"/>
+                </a:solidFill>
+                <a:latin typeface="Roboto"/>
+                <a:ea typeface="Roboto"/>
+                <a:cs typeface="Roboto"/>
+                <a:sym typeface="Roboto"/>
+              </a:defRPr>
+            </a:lvl4pPr>
+            <a:lvl5pPr marL="2286000" marR="0" lvl="4" indent="-317500" algn="l" rtl="0">
+              <a:lnSpc>
+                <a:spcPct val="120000"/>
+              </a:lnSpc>
+              <a:spcBef>
+                <a:spcPts val="0"/>
+              </a:spcBef>
+              <a:spcAft>
+                <a:spcPts val="0"/>
+              </a:spcAft>
+              <a:buClr>
+                <a:schemeClr val="dk2"/>
+              </a:buClr>
+              <a:buSzPts val="1400"/>
+              <a:buFont typeface="Roboto"/>
+              <a:buChar char="○"/>
+              <a:defRPr sz="1400" b="0" i="0" u="none" strike="noStrike" cap="none">
+                <a:solidFill>
+                  <a:schemeClr val="dk2"/>
+                </a:solidFill>
+                <a:latin typeface="Roboto"/>
+                <a:ea typeface="Roboto"/>
+                <a:cs typeface="Roboto"/>
+                <a:sym typeface="Roboto"/>
+              </a:defRPr>
+            </a:lvl5pPr>
+            <a:lvl6pPr marL="2743200" marR="0" lvl="5" indent="-317500" algn="l" rtl="0">
+              <a:lnSpc>
+                <a:spcPct val="120000"/>
+              </a:lnSpc>
+              <a:spcBef>
+                <a:spcPts val="300"/>
+              </a:spcBef>
+              <a:spcAft>
+                <a:spcPts val="0"/>
+              </a:spcAft>
+              <a:buClr>
+                <a:schemeClr val="dk2"/>
+              </a:buClr>
+              <a:buSzPts val="1400"/>
+              <a:buFont typeface="Roboto"/>
+              <a:buChar char="■"/>
+              <a:defRPr sz="1400" b="0" i="0" u="none" strike="noStrike" cap="none">
+                <a:solidFill>
+                  <a:schemeClr val="dk2"/>
+                </a:solidFill>
+                <a:latin typeface="Roboto"/>
+                <a:ea typeface="Roboto"/>
+                <a:cs typeface="Roboto"/>
+                <a:sym typeface="Roboto"/>
+              </a:defRPr>
+            </a:lvl6pPr>
+            <a:lvl7pPr marL="3200400" marR="0" lvl="6" indent="-317500" algn="l" rtl="0">
+              <a:lnSpc>
+                <a:spcPct val="120000"/>
+              </a:lnSpc>
+              <a:spcBef>
+                <a:spcPts val="300"/>
+              </a:spcBef>
+              <a:spcAft>
+                <a:spcPts val="0"/>
+              </a:spcAft>
+              <a:buClr>
+                <a:schemeClr val="dk2"/>
+              </a:buClr>
+              <a:buSzPts val="1400"/>
+              <a:buFont typeface="Roboto"/>
+              <a:buChar char="●"/>
+              <a:defRPr sz="1400" b="0" i="0" u="none" strike="noStrike" cap="none">
+                <a:solidFill>
+                  <a:schemeClr val="dk2"/>
+                </a:solidFill>
+                <a:latin typeface="Roboto"/>
+                <a:ea typeface="Roboto"/>
+                <a:cs typeface="Roboto"/>
+                <a:sym typeface="Roboto"/>
+              </a:defRPr>
+            </a:lvl7pPr>
+            <a:lvl8pPr marL="3657600" marR="0" lvl="7" indent="-317500" algn="l" rtl="0">
+              <a:lnSpc>
+                <a:spcPct val="120000"/>
+              </a:lnSpc>
+              <a:spcBef>
+                <a:spcPts val="300"/>
+              </a:spcBef>
+              <a:spcAft>
+                <a:spcPts val="0"/>
+              </a:spcAft>
+              <a:buClr>
+                <a:schemeClr val="dk2"/>
+              </a:buClr>
+              <a:buSzPts val="1400"/>
+              <a:buFont typeface="Roboto"/>
+              <a:buChar char="○"/>
+              <a:defRPr sz="1400" b="0" i="0" u="none" strike="noStrike" cap="none">
+                <a:solidFill>
+                  <a:schemeClr val="dk2"/>
+                </a:solidFill>
+                <a:latin typeface="Roboto"/>
+                <a:ea typeface="Roboto"/>
+                <a:cs typeface="Roboto"/>
+                <a:sym typeface="Roboto"/>
+              </a:defRPr>
+            </a:lvl8pPr>
+            <a:lvl9pPr marL="4114800" marR="0" lvl="8" indent="-317500" algn="l" rtl="0">
+              <a:lnSpc>
+                <a:spcPct val="120000"/>
+              </a:lnSpc>
+              <a:spcBef>
+                <a:spcPts val="300"/>
+              </a:spcBef>
+              <a:spcAft>
+                <a:spcPts val="0"/>
+              </a:spcAft>
+              <a:buClr>
+                <a:schemeClr val="dk2"/>
+              </a:buClr>
+              <a:buSzPts val="1400"/>
+              <a:buFont typeface="Roboto"/>
+              <a:buChar char="■"/>
+              <a:defRPr sz="1400" b="0" i="0" u="none" strike="noStrike" cap="none">
+                <a:solidFill>
+                  <a:schemeClr val="dk2"/>
+                </a:solidFill>
+                <a:latin typeface="Roboto"/>
+                <a:ea typeface="Roboto"/>
+                <a:cs typeface="Roboto"/>
+                <a:sym typeface="Roboto"/>
+              </a:defRPr>
+            </a:lvl9pPr>
+          </a:lstStyle>
+          <a:p>
+            <a:pPr marL="120650" indent="0">
+              <a:lnSpc>
+                <a:spcPct val="100000"/>
+              </a:lnSpc>
+              <a:spcBef>
+                <a:spcPts val="0"/>
+              </a:spcBef>
+              <a:buNone/>
+            </a:pPr>
+            <a:endParaRPr lang="ru-RU" dirty="0"/>
+          </a:p>
+          <a:p>
+            <a:pPr marL="120650" indent="0">
+              <a:lnSpc>
+                <a:spcPct val="100000"/>
+              </a:lnSpc>
+              <a:spcBef>
+                <a:spcPts val="0"/>
+              </a:spcBef>
+              <a:buNone/>
+            </a:pPr>
+            <a:endParaRPr lang="ru-RU" dirty="0" smtClean="0"/>
+          </a:p>
+          <a:p>
+            <a:pPr marL="120650" indent="0">
+              <a:lnSpc>
+                <a:spcPct val="100000"/>
+              </a:lnSpc>
+              <a:spcBef>
+                <a:spcPts val="0"/>
+              </a:spcBef>
+              <a:buNone/>
+            </a:pPr>
+            <a:endParaRPr lang="ru-RU" dirty="0"/>
+          </a:p>
+          <a:p>
+            <a:pPr marL="120650" indent="0">
+              <a:lnSpc>
+                <a:spcPct val="100000"/>
+              </a:lnSpc>
+              <a:spcBef>
+                <a:spcPts val="0"/>
+              </a:spcBef>
+              <a:buNone/>
+            </a:pPr>
+            <a:r>
+              <a:rPr lang="ru-RU" dirty="0" smtClean="0"/>
+              <a:t>Матрица перехода</a:t>
+            </a:r>
+          </a:p>
+          <a:p>
+            <a:pPr marL="120650" indent="0">
+              <a:lnSpc>
+                <a:spcPct val="100000"/>
+              </a:lnSpc>
+              <a:spcBef>
+                <a:spcPts val="0"/>
+              </a:spcBef>
+              <a:buNone/>
+            </a:pPr>
+            <a:r>
+              <a:rPr lang="ru-RU" dirty="0" smtClean="0"/>
+              <a:t/>
+            </a:r>
+            <a:br>
+              <a:rPr lang="ru-RU" dirty="0" smtClean="0"/>
+            </a:br>
+            <a:r>
+              <a:rPr lang="ru-RU" dirty="0" smtClean="0"/>
+              <a:t>Итеративный без массива</a:t>
+            </a:r>
+          </a:p>
+          <a:p>
+            <a:pPr marL="120650" indent="0">
+              <a:lnSpc>
+                <a:spcPct val="100000"/>
+              </a:lnSpc>
+              <a:spcBef>
+                <a:spcPts val="0"/>
+              </a:spcBef>
+              <a:buNone/>
+            </a:pPr>
+            <a:endParaRPr lang="ru-RU" dirty="0" smtClean="0"/>
+          </a:p>
+          <a:p>
+            <a:pPr marL="120650" indent="0">
+              <a:lnSpc>
+                <a:spcPct val="100000"/>
+              </a:lnSpc>
+              <a:spcBef>
+                <a:spcPts val="0"/>
+              </a:spcBef>
+              <a:buFont typeface="Roboto"/>
+              <a:buNone/>
+            </a:pPr>
+            <a:r>
+              <a:rPr lang="ru-RU" dirty="0" smtClean="0"/>
+              <a:t>Итеративный с массивом</a:t>
+            </a:r>
+          </a:p>
+          <a:p>
+            <a:pPr marL="120650" indent="0">
+              <a:lnSpc>
+                <a:spcPct val="100000"/>
+              </a:lnSpc>
+              <a:spcBef>
+                <a:spcPts val="0"/>
+              </a:spcBef>
+              <a:buFont typeface="Roboto"/>
+              <a:buNone/>
+            </a:pPr>
+            <a:endParaRPr lang="ru-RU" dirty="0" smtClean="0"/>
+          </a:p>
+          <a:p>
+            <a:pPr marL="120650" indent="0">
+              <a:lnSpc>
+                <a:spcPct val="100000"/>
+              </a:lnSpc>
+              <a:spcBef>
+                <a:spcPts val="0"/>
+              </a:spcBef>
+              <a:buFont typeface="Roboto"/>
+              <a:buNone/>
+            </a:pPr>
+            <a:r>
+              <a:rPr lang="ru-RU" dirty="0" smtClean="0"/>
+              <a:t>Рекурсия</a:t>
+            </a:r>
+            <a:endParaRPr lang="en-US" dirty="0" smtClean="0"/>
+          </a:p>
+        </p:txBody>
+      </p:sp>
+    </p:spTree>
+    <p:extLst>
+      <p:ext uri="{BB962C8B-B14F-4D97-AF65-F5344CB8AC3E}">
+        <p14:creationId xmlns:p14="http://schemas.microsoft.com/office/powerpoint/2010/main" val="1960233656"/>
+      </p:ext>
+    </p:extLst>
+  </p:cSld>
+  <p:clrMapOvr>
+    <a:masterClrMapping/>
+  </p:clrMapOvr>
+  <p:timing>
+    <p:tnLst>
+      <p:par>
+        <p:cTn id="1" dur="indefinite" restart="never" nodeType="tmRoot"/>
+      </p:par>
+    </p:tnLst>
+  </p:timing>
+</p:sld>
+</file>
+
+<file path=ppt/slides/slide13.xml><?xml version="1.0" encoding="utf-8"?>
+<p:sld xmlns:a="http://schemas.openxmlformats.org/drawingml/2006/main" xmlns:r="http://schemas.openxmlformats.org/officeDocument/2006/relationships" xmlns:p="http://schemas.openxmlformats.org/presentationml/2006/main">
+  <p:cSld>
+    <p:spTree>
+      <p:nvGrpSpPr>
+        <p:cNvPr id="1" name=""/>
+        <p:cNvGrpSpPr/>
+        <p:nvPr/>
+      </p:nvGrpSpPr>
+      <p:grpSpPr>
+        <a:xfrm>
+          <a:off x="0" y="0"/>
+          <a:ext cx="0" cy="0"/>
+          <a:chOff x="0" y="0"/>
+          <a:chExt cx="0" cy="0"/>
+        </a:xfrm>
+      </p:grpSpPr>
+    </p:spTree>
+    <p:extLst>
+      <p:ext uri="{BB962C8B-B14F-4D97-AF65-F5344CB8AC3E}">
+        <p14:creationId xmlns:p14="http://schemas.microsoft.com/office/powerpoint/2010/main" val="2326136714"/>
+      </p:ext>
+    </p:extLst>
+  </p:cSld>
+  <p:clrMapOvr>
+    <a:masterClrMapping/>
+  </p:clrMapOvr>
+  <p:timing>
+    <p:tnLst>
+      <p:par>
+        <p:cTn id="1" dur="indefinite" restart="never" nodeType="tmRoot"/>
+      </p:par>
+    </p:tnLst>
+  </p:timing>
+</p:sld>
+</file>
+
+<file path=ppt/slides/slide14.xml><?xml version="1.0" encoding="utf-8"?>
+<p:sld xmlns:a="http://schemas.openxmlformats.org/drawingml/2006/main" xmlns:r="http://schemas.openxmlformats.org/officeDocument/2006/relationships" xmlns:p="http://schemas.openxmlformats.org/presentationml/2006/main">
+  <p:cSld>
+    <p:spTree>
+      <p:nvGrpSpPr>
+        <p:cNvPr id="1" name="Shape 201"/>
+        <p:cNvGrpSpPr/>
+        <p:nvPr/>
+      </p:nvGrpSpPr>
+      <p:grpSpPr>
+        <a:xfrm>
+          <a:off x="0" y="0"/>
+          <a:ext cx="0" cy="0"/>
+          <a:chOff x="0" y="0"/>
+          <a:chExt cx="0" cy="0"/>
+        </a:xfrm>
+      </p:grpSpPr>
+      <p:sp>
+        <p:nvSpPr>
+          <p:cNvPr id="202" name="Google Shape;202;p39"/>
+          <p:cNvSpPr txBox="1">
+            <a:spLocks noGrp="1"/>
+          </p:cNvSpPr>
+          <p:nvPr>
+            <p:ph type="title"/>
+          </p:nvPr>
+        </p:nvSpPr>
+        <p:spPr>
+          <a:xfrm>
+            <a:off x="500550" y="440981"/>
+            <a:ext cx="8520600" cy="1306200"/>
+          </a:xfrm>
+          <a:prstGeom prst="rect">
+            <a:avLst/>
+          </a:prstGeom>
+        </p:spPr>
+        <p:txBody>
+          <a:bodyPr spcFirstLastPara="1" wrap="square" lIns="91425" tIns="91425" rIns="91425" bIns="91425" anchor="t" anchorCtr="0">
+            <a:noAutofit/>
+          </a:bodyPr>
+          <a:lstStyle/>
+          <a:p>
+            <a:pPr marL="0" lvl="0" indent="0" algn="l" rtl="0">
+              <a:spcBef>
+                <a:spcPts val="0"/>
+              </a:spcBef>
+              <a:spcAft>
+                <a:spcPts val="0"/>
+              </a:spcAft>
+              <a:buNone/>
+            </a:pPr>
+            <a:r>
+              <a:rPr lang="ru"/>
+              <a:t>Выводы и планы по развитию</a:t>
+            </a:r>
+            <a:endParaRPr/>
+          </a:p>
+        </p:txBody>
+      </p:sp>
+      <p:graphicFrame>
+        <p:nvGraphicFramePr>
+          <p:cNvPr id="203" name="Google Shape;203;p39"/>
+          <p:cNvGraphicFramePr/>
+          <p:nvPr/>
+        </p:nvGraphicFramePr>
+        <p:xfrm>
+          <a:off x="952500" y="2058925"/>
+          <a:ext cx="7239000" cy="1442376"/>
+        </p:xfrm>
+        <a:graphic>
+          <a:graphicData uri="http://schemas.openxmlformats.org/drawingml/2006/table">
+            <a:tbl>
+              <a:tblPr>
+                <a:noFill/>
+                <a:tableStyleId>{FFBF153C-E521-4245-AB3C-9238F05966FA}</a:tableStyleId>
+              </a:tblPr>
+              <a:tblGrid>
+                <a:gridCol w="489425">
+                  <a:extLst>
+                    <a:ext uri="{9D8B030D-6E8A-4147-A177-3AD203B41FA5}">
+                      <a16:colId xmlns:a16="http://schemas.microsoft.com/office/drawing/2014/main" val="20000"/>
+                    </a:ext>
+                  </a:extLst>
+                </a:gridCol>
+                <a:gridCol w="6749575">
+                  <a:extLst>
+                    <a:ext uri="{9D8B030D-6E8A-4147-A177-3AD203B41FA5}">
+                      <a16:colId xmlns:a16="http://schemas.microsoft.com/office/drawing/2014/main" val="20001"/>
+                    </a:ext>
+                  </a:extLst>
+                </a:gridCol>
+              </a:tblGrid>
+              <a:tr h="381000">
+                <a:tc>
+                  <a:txBody>
+                    <a:bodyPr/>
+                    <a:lstStyle/>
+                    <a:p>
+                      <a:pPr marL="0" lvl="0" indent="0" algn="l" rtl="0">
+                        <a:spcBef>
+                          <a:spcPts val="0"/>
+                        </a:spcBef>
+                        <a:spcAft>
+                          <a:spcPts val="0"/>
+                        </a:spcAft>
+                        <a:buNone/>
+                      </a:pPr>
+                      <a:r>
+                        <a:rPr lang="ru" sz="1700" b="1">
+                          <a:solidFill>
+                            <a:srgbClr val="013D85"/>
+                          </a:solidFill>
+                          <a:latin typeface="Roboto"/>
+                          <a:ea typeface="Roboto"/>
+                          <a:cs typeface="Roboto"/>
+                          <a:sym typeface="Roboto"/>
+                        </a:rPr>
+                        <a:t>1.</a:t>
+                      </a:r>
+                      <a:endParaRPr sz="1700" b="1">
+                        <a:solidFill>
+                          <a:srgbClr val="013D85"/>
+                        </a:solidFill>
+                        <a:latin typeface="Roboto"/>
+                        <a:ea typeface="Roboto"/>
+                        <a:cs typeface="Roboto"/>
+                        <a:sym typeface="Roboto"/>
+                      </a:endParaRPr>
+                    </a:p>
+                  </a:txBody>
+                  <a:tcPr marL="198000" marR="91425" marT="91425" marB="91425">
+                    <a:lnL w="9525" cap="flat" cmpd="sng">
+                      <a:solidFill>
+                        <a:srgbClr val="BFC1F0">
+                          <a:alpha val="0"/>
+                        </a:srgbClr>
+                      </a:solidFill>
+                      <a:prstDash val="solid"/>
+                      <a:round/>
+                      <a:headEnd type="none" w="sm" len="sm"/>
+                      <a:tailEnd type="none" w="sm" len="sm"/>
+                    </a:lnL>
+                    <a:lnR w="9525" cap="flat" cmpd="sng">
+                      <a:solidFill>
+                        <a:schemeClr val="lt1"/>
+                      </a:solidFill>
+                      <a:prstDash val="solid"/>
+                      <a:round/>
+                      <a:headEnd type="none" w="sm" len="sm"/>
+                      <a:tailEnd type="none" w="sm" len="sm"/>
+                    </a:lnR>
+                    <a:lnT w="9525" cap="flat" cmpd="sng">
+                      <a:solidFill>
+                        <a:srgbClr val="BFC1F0">
+                          <a:alpha val="0"/>
+                        </a:srgbClr>
+                      </a:solidFill>
+                      <a:prstDash val="solid"/>
+                      <a:round/>
+                      <a:headEnd type="none" w="sm" len="sm"/>
+                      <a:tailEnd type="none" w="sm" len="sm"/>
+                    </a:lnT>
+                    <a:lnB w="9525" cap="flat" cmpd="sng">
+                      <a:solidFill>
+                        <a:srgbClr val="BFC1F0"/>
+                      </a:solidFill>
+                      <a:prstDash val="solid"/>
+                      <a:round/>
+                      <a:headEnd type="none" w="sm" len="sm"/>
+                      <a:tailEnd type="none" w="sm" len="sm"/>
+                    </a:lnB>
+                  </a:tcPr>
+                </a:tc>
+                <a:tc>
+                  <a:txBody>
+                    <a:bodyPr/>
+                    <a:lstStyle/>
+                    <a:p>
+                      <a:pPr marL="0" lvl="0" indent="0" algn="l" rtl="0">
+                        <a:lnSpc>
+                          <a:spcPct val="115000"/>
+                        </a:lnSpc>
+                        <a:spcBef>
+                          <a:spcPts val="0"/>
+                        </a:spcBef>
+                        <a:spcAft>
+                          <a:spcPts val="0"/>
+                        </a:spcAft>
+                        <a:buNone/>
+                      </a:pPr>
+                      <a:endParaRPr sz="1700">
+                        <a:latin typeface="Roboto"/>
+                        <a:ea typeface="Roboto"/>
+                        <a:cs typeface="Roboto"/>
+                        <a:sym typeface="Roboto"/>
+                      </a:endParaRPr>
+                    </a:p>
+                  </a:txBody>
+                  <a:tcPr marL="198000" marR="91425" marT="91425" marB="91425">
+                    <a:lnL w="9525" cap="flat" cmpd="sng">
+                      <a:solidFill>
+                        <a:schemeClr val="lt1"/>
+                      </a:solidFill>
+                      <a:prstDash val="solid"/>
+                      <a:round/>
+                      <a:headEnd type="none" w="sm" len="sm"/>
+                      <a:tailEnd type="none" w="sm" len="sm"/>
+                    </a:lnL>
+                    <a:lnR w="9525" cap="flat" cmpd="sng">
+                      <a:solidFill>
+                        <a:srgbClr val="BFC1F0">
+                          <a:alpha val="0"/>
+                        </a:srgbClr>
+                      </a:solidFill>
+                      <a:prstDash val="solid"/>
+                      <a:round/>
+                      <a:headEnd type="none" w="sm" len="sm"/>
+                      <a:tailEnd type="none" w="sm" len="sm"/>
+                    </a:lnR>
+                    <a:lnT w="9525" cap="flat" cmpd="sng">
+                      <a:solidFill>
+                        <a:srgbClr val="BFC1F0">
+                          <a:alpha val="0"/>
+                        </a:srgbClr>
+                      </a:solidFill>
+                      <a:prstDash val="solid"/>
+                      <a:round/>
+                      <a:headEnd type="none" w="sm" len="sm"/>
+                      <a:tailEnd type="none" w="sm" len="sm"/>
+                    </a:lnT>
+                    <a:lnB w="9525" cap="flat" cmpd="sng">
+                      <a:solidFill>
+                        <a:srgbClr val="BFC1F0"/>
+                      </a:solidFill>
+                      <a:prstDash val="solid"/>
+                      <a:round/>
+                      <a:headEnd type="none" w="sm" len="sm"/>
+                      <a:tailEnd type="none" w="sm" len="sm"/>
+                    </a:lnB>
+                  </a:tcPr>
+                </a:tc>
+                <a:extLst>
+                  <a:ext uri="{0D108BD9-81ED-4DB2-BD59-A6C34878D82A}">
+                    <a16:rowId xmlns:a16="http://schemas.microsoft.com/office/drawing/2014/main" val="10000"/>
+                  </a:ext>
+                </a:extLst>
+              </a:tr>
+              <a:tr h="381000">
+                <a:tc>
+                  <a:txBody>
+                    <a:bodyPr/>
+                    <a:lstStyle/>
+                    <a:p>
+                      <a:pPr marL="0" lvl="0" indent="0" algn="l" rtl="0">
+                        <a:spcBef>
+                          <a:spcPts val="0"/>
+                        </a:spcBef>
+                        <a:spcAft>
+                          <a:spcPts val="0"/>
+                        </a:spcAft>
+                        <a:buNone/>
+                      </a:pPr>
+                      <a:r>
+                        <a:rPr lang="ru" sz="1700" b="1">
+                          <a:solidFill>
+                            <a:srgbClr val="013D85"/>
+                          </a:solidFill>
+                          <a:latin typeface="Roboto"/>
+                          <a:ea typeface="Roboto"/>
+                          <a:cs typeface="Roboto"/>
+                          <a:sym typeface="Roboto"/>
+                        </a:rPr>
+                        <a:t>2.</a:t>
+                      </a:r>
+                      <a:endParaRPr sz="1700" b="1">
+                        <a:solidFill>
+                          <a:srgbClr val="013D85"/>
+                        </a:solidFill>
+                        <a:latin typeface="Roboto"/>
+                        <a:ea typeface="Roboto"/>
+                        <a:cs typeface="Roboto"/>
+                        <a:sym typeface="Roboto"/>
+                      </a:endParaRPr>
+                    </a:p>
+                  </a:txBody>
+                  <a:tcPr marL="198000" marR="91425" marT="91425" marB="91425">
+                    <a:lnL w="9525" cap="flat" cmpd="sng">
+                      <a:solidFill>
+                        <a:srgbClr val="BFC1F0">
+                          <a:alpha val="0"/>
+                        </a:srgbClr>
+                      </a:solidFill>
+                      <a:prstDash val="solid"/>
+                      <a:round/>
+                      <a:headEnd type="none" w="sm" len="sm"/>
+                      <a:tailEnd type="none" w="sm" len="sm"/>
+                    </a:lnL>
+                    <a:lnR w="9525" cap="flat" cmpd="sng">
+                      <a:solidFill>
+                        <a:schemeClr val="lt1"/>
+                      </a:solidFill>
+                      <a:prstDash val="solid"/>
+                      <a:round/>
+                      <a:headEnd type="none" w="sm" len="sm"/>
+                      <a:tailEnd type="none" w="sm" len="sm"/>
+                    </a:lnR>
+                    <a:lnT w="9525" cap="flat" cmpd="sng">
+                      <a:solidFill>
+                        <a:srgbClr val="BFC1F0"/>
+                      </a:solidFill>
+                      <a:prstDash val="solid"/>
+                      <a:round/>
+                      <a:headEnd type="none" w="sm" len="sm"/>
+                      <a:tailEnd type="none" w="sm" len="sm"/>
+                    </a:lnT>
+                    <a:lnB w="9525" cap="flat" cmpd="sng">
+                      <a:solidFill>
+                        <a:srgbClr val="BFC1F0"/>
+                      </a:solidFill>
+                      <a:prstDash val="solid"/>
+                      <a:round/>
+                      <a:headEnd type="none" w="sm" len="sm"/>
+                      <a:tailEnd type="none" w="sm" len="sm"/>
+                    </a:lnB>
+                  </a:tcPr>
+                </a:tc>
+                <a:tc>
+                  <a:txBody>
+                    <a:bodyPr/>
+                    <a:lstStyle/>
+                    <a:p>
+                      <a:pPr marL="0" lvl="0" indent="0" algn="l" rtl="0">
+                        <a:lnSpc>
+                          <a:spcPct val="115000"/>
+                        </a:lnSpc>
+                        <a:spcBef>
+                          <a:spcPts val="0"/>
+                        </a:spcBef>
+                        <a:spcAft>
+                          <a:spcPts val="0"/>
+                        </a:spcAft>
+                        <a:buNone/>
+                      </a:pPr>
+                      <a:endParaRPr sz="1700">
+                        <a:latin typeface="Roboto"/>
+                        <a:ea typeface="Roboto"/>
+                        <a:cs typeface="Roboto"/>
+                        <a:sym typeface="Roboto"/>
+                      </a:endParaRPr>
+                    </a:p>
+                  </a:txBody>
+                  <a:tcPr marL="198000" marR="91425" marT="91425" marB="91425">
+                    <a:lnL w="9525" cap="flat" cmpd="sng">
+                      <a:solidFill>
+                        <a:schemeClr val="lt1"/>
+                      </a:solidFill>
+                      <a:prstDash val="solid"/>
+                      <a:round/>
+                      <a:headEnd type="none" w="sm" len="sm"/>
+                      <a:tailEnd type="none" w="sm" len="sm"/>
+                    </a:lnL>
+                    <a:lnR w="9525" cap="flat" cmpd="sng">
+                      <a:solidFill>
+                        <a:srgbClr val="BFC1F0">
+                          <a:alpha val="0"/>
+                        </a:srgbClr>
+                      </a:solidFill>
+                      <a:prstDash val="solid"/>
+                      <a:round/>
+                      <a:headEnd type="none" w="sm" len="sm"/>
+                      <a:tailEnd type="none" w="sm" len="sm"/>
+                    </a:lnR>
+                    <a:lnT w="9525" cap="flat" cmpd="sng">
+                      <a:solidFill>
+                        <a:srgbClr val="BFC1F0"/>
+                      </a:solidFill>
+                      <a:prstDash val="solid"/>
+                      <a:round/>
+                      <a:headEnd type="none" w="sm" len="sm"/>
+                      <a:tailEnd type="none" w="sm" len="sm"/>
+                    </a:lnT>
+                    <a:lnB w="9525" cap="flat" cmpd="sng">
+                      <a:solidFill>
+                        <a:srgbClr val="BFC1F0"/>
+                      </a:solidFill>
+                      <a:prstDash val="solid"/>
+                      <a:round/>
+                      <a:headEnd type="none" w="sm" len="sm"/>
+                      <a:tailEnd type="none" w="sm" len="sm"/>
+                    </a:lnB>
+                  </a:tcPr>
+                </a:tc>
+                <a:extLst>
+                  <a:ext uri="{0D108BD9-81ED-4DB2-BD59-A6C34878D82A}">
+                    <a16:rowId xmlns:a16="http://schemas.microsoft.com/office/drawing/2014/main" val="10001"/>
+                  </a:ext>
+                </a:extLst>
+              </a:tr>
+              <a:tr h="381000">
+                <a:tc>
+                  <a:txBody>
+                    <a:bodyPr/>
+                    <a:lstStyle/>
+                    <a:p>
+                      <a:pPr marL="0" lvl="0" indent="0" algn="l" rtl="0">
+                        <a:spcBef>
+                          <a:spcPts val="0"/>
+                        </a:spcBef>
+                        <a:spcAft>
+                          <a:spcPts val="0"/>
+                        </a:spcAft>
+                        <a:buNone/>
+                      </a:pPr>
+                      <a:r>
+                        <a:rPr lang="ru" sz="1700" b="1">
+                          <a:solidFill>
+                            <a:srgbClr val="013D85"/>
+                          </a:solidFill>
+                          <a:latin typeface="Roboto"/>
+                          <a:ea typeface="Roboto"/>
+                          <a:cs typeface="Roboto"/>
+                          <a:sym typeface="Roboto"/>
+                        </a:rPr>
+                        <a:t>3.</a:t>
+                      </a:r>
+                      <a:endParaRPr sz="1700" b="1">
+                        <a:solidFill>
+                          <a:srgbClr val="013D85"/>
+                        </a:solidFill>
+                        <a:latin typeface="Roboto"/>
+                        <a:ea typeface="Roboto"/>
+                        <a:cs typeface="Roboto"/>
+                        <a:sym typeface="Roboto"/>
+                      </a:endParaRPr>
+                    </a:p>
+                  </a:txBody>
+                  <a:tcPr marL="198000" marR="91425" marT="91425" marB="91425">
+                    <a:lnL w="9525" cap="flat" cmpd="sng">
+                      <a:solidFill>
+                        <a:srgbClr val="BFC1F0">
+                          <a:alpha val="0"/>
+                        </a:srgbClr>
+                      </a:solidFill>
+                      <a:prstDash val="solid"/>
+                      <a:round/>
+                      <a:headEnd type="none" w="sm" len="sm"/>
+                      <a:tailEnd type="none" w="sm" len="sm"/>
+                    </a:lnL>
+                    <a:lnR w="9525" cap="flat" cmpd="sng">
+                      <a:solidFill>
+                        <a:schemeClr val="lt1"/>
+                      </a:solidFill>
+                      <a:prstDash val="solid"/>
+                      <a:round/>
+                      <a:headEnd type="none" w="sm" len="sm"/>
+                      <a:tailEnd type="none" w="sm" len="sm"/>
+                    </a:lnR>
+                    <a:lnT w="9525" cap="flat" cmpd="sng">
+                      <a:solidFill>
+                        <a:srgbClr val="BFC1F0"/>
+                      </a:solidFill>
+                      <a:prstDash val="solid"/>
+                      <a:round/>
+                      <a:headEnd type="none" w="sm" len="sm"/>
+                      <a:tailEnd type="none" w="sm" len="sm"/>
+                    </a:lnT>
+                    <a:lnB w="9525" cap="flat" cmpd="sng">
+                      <a:solidFill>
+                        <a:srgbClr val="BFC1F0"/>
+                      </a:solidFill>
+                      <a:prstDash val="solid"/>
+                      <a:round/>
+                      <a:headEnd type="none" w="sm" len="sm"/>
+                      <a:tailEnd type="none" w="sm" len="sm"/>
+                    </a:lnB>
+                  </a:tcPr>
+                </a:tc>
+                <a:tc>
+                  <a:txBody>
+                    <a:bodyPr/>
+                    <a:lstStyle/>
+                    <a:p>
+                      <a:pPr marL="0" lvl="0" indent="0" algn="l" rtl="0">
+                        <a:lnSpc>
+                          <a:spcPct val="115000"/>
+                        </a:lnSpc>
+                        <a:spcBef>
+                          <a:spcPts val="0"/>
+                        </a:spcBef>
+                        <a:spcAft>
+                          <a:spcPts val="0"/>
+                        </a:spcAft>
+                        <a:buNone/>
+                      </a:pPr>
+                      <a:endParaRPr sz="1700">
+                        <a:latin typeface="Roboto"/>
+                        <a:ea typeface="Roboto"/>
+                        <a:cs typeface="Roboto"/>
+                        <a:sym typeface="Roboto"/>
+                      </a:endParaRPr>
+                    </a:p>
+                  </a:txBody>
+                  <a:tcPr marL="198000" marR="91425" marT="91425" marB="91425">
+                    <a:lnL w="9525" cap="flat" cmpd="sng">
+                      <a:solidFill>
+                        <a:schemeClr val="lt1"/>
+                      </a:solidFill>
+                      <a:prstDash val="solid"/>
+                      <a:round/>
+                      <a:headEnd type="none" w="sm" len="sm"/>
+                      <a:tailEnd type="none" w="sm" len="sm"/>
+                    </a:lnL>
+                    <a:lnR w="9525" cap="flat" cmpd="sng">
+                      <a:solidFill>
+                        <a:srgbClr val="BFC1F0">
+                          <a:alpha val="0"/>
+                        </a:srgbClr>
+                      </a:solidFill>
+                      <a:prstDash val="solid"/>
+                      <a:round/>
+                      <a:headEnd type="none" w="sm" len="sm"/>
+                      <a:tailEnd type="none" w="sm" len="sm"/>
+                    </a:lnR>
+                    <a:lnT w="9525" cap="flat" cmpd="sng">
+                      <a:solidFill>
+                        <a:srgbClr val="BFC1F0"/>
+                      </a:solidFill>
+                      <a:prstDash val="solid"/>
+                      <a:round/>
+                      <a:headEnd type="none" w="sm" len="sm"/>
+                      <a:tailEnd type="none" w="sm" len="sm"/>
+                    </a:lnT>
+                    <a:lnB w="9525" cap="flat" cmpd="sng">
+                      <a:solidFill>
+                        <a:srgbClr val="BFC1F0"/>
+                      </a:solidFill>
+                      <a:prstDash val="solid"/>
+                      <a:round/>
+                      <a:headEnd type="none" w="sm" len="sm"/>
+                      <a:tailEnd type="none" w="sm" len="sm"/>
+                    </a:lnB>
+                  </a:tcPr>
+                </a:tc>
+                <a:extLst>
+                  <a:ext uri="{0D108BD9-81ED-4DB2-BD59-A6C34878D82A}">
+                    <a16:rowId xmlns:a16="http://schemas.microsoft.com/office/drawing/2014/main" val="10002"/>
+                  </a:ext>
+                </a:extLst>
+              </a:tr>
+            </a:tbl>
+          </a:graphicData>
+        </a:graphic>
+      </p:graphicFrame>
+      <p:sp>
+        <p:nvSpPr>
+          <p:cNvPr id="204" name="Google Shape;204;p39"/>
+          <p:cNvSpPr/>
+          <p:nvPr/>
+        </p:nvSpPr>
+        <p:spPr>
+          <a:xfrm>
+            <a:off x="4768500" y="4502600"/>
+            <a:ext cx="3423000" cy="1092000"/>
+          </a:xfrm>
+          <a:prstGeom prst="wedgeRectCallout">
+            <a:avLst>
+              <a:gd name="adj1" fmla="val -44483"/>
+              <a:gd name="adj2" fmla="val -89998"/>
+            </a:avLst>
+          </a:prstGeom>
+          <a:solidFill>
+            <a:srgbClr val="F3F3F3"/>
+          </a:solidFill>
+          <a:ln w="9525" cap="flat" cmpd="sng">
+            <a:solidFill>
+              <a:srgbClr val="013D85"/>
+            </a:solidFill>
+            <a:prstDash val="solid"/>
+            <a:round/>
+            <a:headEnd type="none" w="sm" len="sm"/>
+            <a:tailEnd type="none" w="sm" len="sm"/>
+          </a:ln>
+        </p:spPr>
+        <p:txBody>
+          <a:bodyPr spcFirstLastPara="1" wrap="square" lIns="198000" tIns="126000" rIns="198000" bIns="126000" anchor="ctr" anchorCtr="0">
+            <a:noAutofit/>
+          </a:bodyPr>
+          <a:lstStyle/>
+          <a:p>
+            <a:pPr marL="0" lvl="0" indent="0" algn="l" rtl="0">
+              <a:spcBef>
+                <a:spcPts val="600"/>
+              </a:spcBef>
+              <a:spcAft>
+                <a:spcPts val="0"/>
+              </a:spcAft>
+              <a:buNone/>
+            </a:pPr>
+            <a:r>
+              <a:rPr lang="ru" sz="1500">
+                <a:solidFill>
+                  <a:srgbClr val="02418B"/>
+                </a:solidFill>
+                <a:latin typeface="Roboto"/>
+                <a:ea typeface="Roboto"/>
+                <a:cs typeface="Roboto"/>
+                <a:sym typeface="Roboto"/>
+              </a:rPr>
+              <a:t>Запланируйте пару минут на рефлексию в конце защиты проекта и расскажите о планах по развитию</a:t>
+            </a:r>
+            <a:endParaRPr sz="1500">
+              <a:solidFill>
+                <a:srgbClr val="02418B"/>
+              </a:solidFill>
+              <a:latin typeface="Roboto"/>
+              <a:ea typeface="Roboto"/>
+              <a:cs typeface="Roboto"/>
+              <a:sym typeface="Roboto"/>
+            </a:endParaRPr>
+          </a:p>
+        </p:txBody>
+      </p:sp>
+    </p:spTree>
+  </p:cSld>
+  <p:clrMapOvr>
+    <a:masterClrMapping/>
+  </p:clrMapOvr>
+  <p:timing>
+    <p:tnLst>
+      <p:par>
+        <p:cTn id="1" dur="indefinite" restart="never" nodeType="tmRoot"/>
+      </p:par>
+    </p:tnLst>
+  </p:timing>
+</p:sld>
+</file>
+
+<file path=ppt/slides/slide15.xml><?xml version="1.0" encoding="utf-8"?>
+<p:sld xmlns:a="http://schemas.openxmlformats.org/drawingml/2006/main" xmlns:r="http://schemas.openxmlformats.org/officeDocument/2006/relationships" xmlns:p="http://schemas.openxmlformats.org/presentationml/2006/main">
+  <p:cSld>
+    <p:spTree>
+      <p:nvGrpSpPr>
         <p:cNvPr id="1" name="Shape 208"/>
         <p:cNvGrpSpPr/>
         <p:nvPr/>
@@ -8608,10 +11290,17 @@
   <p:clrMapOvr>
     <a:masterClrMapping/>
   </p:clrMapOvr>
+  <p:timing>
+    <p:tnLst>
+      <p:par>
+        <p:cTn id="1" dur="indefinite" restart="never" nodeType="tmRoot"/>
+      </p:par>
+    </p:tnLst>
+  </p:timing>
 </p:sld>
 </file>
 
-<file path=ppt/slides/slide11.xml><?xml version="1.0" encoding="utf-8"?>
+<file path=ppt/slides/slide16.xml><?xml version="1.0" encoding="utf-8"?>
 <p:sld xmlns:a="http://schemas.openxmlformats.org/drawingml/2006/main" xmlns:r="http://schemas.openxmlformats.org/officeDocument/2006/relationships" xmlns:p="http://schemas.openxmlformats.org/presentationml/2006/main">
   <p:cSld>
     <p:spTree>
@@ -8885,7 +11574,7 @@
 </p:sld>
 </file>
 
-<file path=ppt/slides/slide12.xml><?xml version="1.0" encoding="utf-8"?>
+<file path=ppt/slides/slide17.xml><?xml version="1.0" encoding="utf-8"?>
 <p:sld xmlns:a="http://schemas.openxmlformats.org/drawingml/2006/main" xmlns:r="http://schemas.openxmlformats.org/officeDocument/2006/relationships" xmlns:p="http://schemas.openxmlformats.org/presentationml/2006/main">
   <p:cSld>
     <p:spTree>
@@ -11107,7 +13796,7 @@
         </p:nvSpPr>
         <p:spPr>
           <a:xfrm>
-            <a:off x="500550" y="440981"/>
+            <a:off x="430882" y="110056"/>
             <a:ext cx="8520600" cy="1306200"/>
           </a:xfrm>
           <a:prstGeom prst="rect">
@@ -11120,18 +13809,38 @@
           </a:bodyPr>
           <a:lstStyle/>
           <a:p>
-            <a:pPr marL="0" lvl="0" indent="0" algn="l" rtl="0">
-              <a:spcBef>
-                <a:spcPts val="0"/>
-              </a:spcBef>
-              <a:spcAft>
-                <a:spcPts val="0"/>
-              </a:spcAft>
-              <a:buNone/>
-            </a:pPr>
+            <a:pPr lvl="0" algn="ctr"/>
             <a:r>
               <a:rPr lang="ru" dirty="0" smtClean="0"/>
-              <a:t>Задача №1.</a:t>
+              <a:t>Задача №1. </a:t>
+            </a:r>
+            <a:r>
+              <a:rPr lang="en-US" dirty="0"/>
+              <a:t>N-</a:t>
+            </a:r>
+            <a:r>
+              <a:rPr lang="en-US" dirty="0" err="1"/>
+              <a:t>th</a:t>
+            </a:r>
+            <a:r>
+              <a:rPr lang="en-US" dirty="0"/>
+              <a:t> </a:t>
+            </a:r>
+            <a:r>
+              <a:rPr lang="en-US" dirty="0" err="1"/>
+              <a:t>Tribonacci</a:t>
+            </a:r>
+            <a:r>
+              <a:rPr lang="en-US" dirty="0"/>
+              <a:t> </a:t>
+            </a:r>
+            <a:r>
+              <a:rPr lang="en-US" dirty="0" smtClean="0"/>
+              <a:t>Number</a:t>
+            </a:r>
+            <a:r>
+              <a:rPr lang="ru-RU" dirty="0" smtClean="0"/>
+              <a:t>. Условие.</a:t>
             </a:r>
             <a:endParaRPr dirty="0"/>
           </a:p>
@@ -11149,173 +13858,47 @@
         </p:nvSpPr>
         <p:spPr>
           <a:xfrm>
-            <a:off x="500550" y="1825750"/>
-            <a:ext cx="3921600" cy="3486300"/>
+            <a:off x="326379" y="1623332"/>
+            <a:ext cx="4084320" cy="4193993"/>
           </a:xfrm>
           <a:prstGeom prst="rect">
             <a:avLst/>
           </a:prstGeom>
         </p:spPr>
         <p:txBody>
-          <a:bodyPr spcFirstLastPara="1" wrap="square" lIns="91425" tIns="91425" rIns="91425" bIns="91425" anchor="t" anchorCtr="0">
-            <a:normAutofit lnSpcReduction="10000"/>
+          <a:bodyPr spcFirstLastPara="1" wrap="square" lIns="91425" tIns="91425" rIns="91425" bIns="91425" anchor="ctr" anchorCtr="0">
+            <a:normAutofit/>
           </a:bodyPr>
           <a:lstStyle/>
           <a:p>
-            <a:pPr marL="457200" lvl="0" indent="-336550" algn="l" rtl="0">
+            <a:pPr marL="120650" lvl="0" indent="0">
               <a:lnSpc>
                 <a:spcPct val="100000"/>
               </a:lnSpc>
               <a:spcBef>
                 <a:spcPts val="0"/>
               </a:spcBef>
-              <a:spcAft>
-                <a:spcPts val="0"/>
-              </a:spcAft>
-              <a:buSzPts val="1700"/>
-              <a:buAutoNum type="arabicPeriod"/>
+              <a:buNone/>
             </a:pPr>
             <a:r>
-              <a:rPr lang="ru" dirty="0"/>
-              <a:t>Скрины основных экранов приложения и действий</a:t>
+              <a:rPr lang="ru-RU" dirty="0"/>
+              <a:t>Ряд </a:t>
             </a:r>
-            <a:endParaRPr dirty="0"/>
-          </a:p>
-          <a:p>
-            <a:pPr marL="0" lvl="0" indent="0" algn="l" rtl="0">
-              <a:lnSpc>
-                <a:spcPct val="100000"/>
-              </a:lnSpc>
-              <a:spcBef>
-                <a:spcPts val="0"/>
-              </a:spcBef>
-              <a:spcAft>
-                <a:spcPts val="0"/>
-              </a:spcAft>
-              <a:buNone/>
-            </a:pPr>
-            <a:endParaRPr dirty="0"/>
-          </a:p>
-          <a:p>
-            <a:pPr marL="0" lvl="0" indent="0" algn="l" rtl="0">
-              <a:lnSpc>
-                <a:spcPct val="100000"/>
-              </a:lnSpc>
-              <a:spcBef>
-                <a:spcPts val="0"/>
-              </a:spcBef>
-              <a:spcAft>
-                <a:spcPts val="0"/>
-              </a:spcAft>
-              <a:buNone/>
-            </a:pPr>
             <a:r>
-              <a:rPr lang="ru" b="1" dirty="0"/>
-              <a:t>или</a:t>
+              <a:rPr lang="ru-RU" dirty="0" err="1"/>
+              <a:t>Т</a:t>
             </a:r>
-            <a:endParaRPr b="1" dirty="0"/>
-          </a:p>
-          <a:p>
-            <a:pPr marL="0" lvl="0" indent="0" algn="l" rtl="0">
-              <a:lnSpc>
-                <a:spcPct val="100000"/>
-              </a:lnSpc>
-              <a:spcBef>
-                <a:spcPts val="0"/>
-              </a:spcBef>
-              <a:spcAft>
-                <a:spcPts val="0"/>
-              </a:spcAft>
-              <a:buNone/>
-            </a:pPr>
-            <a:endParaRPr dirty="0"/>
-          </a:p>
-          <a:p>
-            <a:pPr marL="457200" lvl="0" indent="-336550" algn="l" rtl="0">
-              <a:lnSpc>
-                <a:spcPct val="100000"/>
-              </a:lnSpc>
-              <a:spcBef>
-                <a:spcPts val="0"/>
-              </a:spcBef>
-              <a:spcAft>
-                <a:spcPts val="0"/>
-              </a:spcAft>
-              <a:buSzPts val="1700"/>
-              <a:buAutoNum type="arabicPeriod"/>
-            </a:pPr>
             <a:r>
-              <a:rPr lang="ru" dirty="0"/>
-              <a:t>Демонстрация приложения и исходных кодов</a:t>
+              <a:rPr lang="ru-RU" dirty="0" err="1" smtClean="0"/>
+              <a:t>рибоначчи</a:t>
             </a:r>
-            <a:endParaRPr dirty="0"/>
-          </a:p>
-          <a:p>
-            <a:pPr marL="0" lvl="0" indent="0" algn="l" rtl="0">
-              <a:lnSpc>
-                <a:spcPct val="100000"/>
-              </a:lnSpc>
-              <a:spcBef>
-                <a:spcPts val="0"/>
-              </a:spcBef>
-              <a:spcAft>
-                <a:spcPts val="0"/>
-              </a:spcAft>
-              <a:buNone/>
-            </a:pPr>
-            <a:endParaRPr dirty="0"/>
-          </a:p>
-          <a:p>
-            <a:pPr marL="0" lvl="0" indent="0" algn="l" rtl="0">
-              <a:lnSpc>
-                <a:spcPct val="100000"/>
-              </a:lnSpc>
-              <a:spcBef>
-                <a:spcPts val="0"/>
-              </a:spcBef>
-              <a:spcAft>
-                <a:spcPts val="0"/>
-              </a:spcAft>
-              <a:buNone/>
-            </a:pPr>
             <a:r>
-              <a:rPr lang="ru" b="1" dirty="0"/>
-              <a:t>или</a:t>
+              <a:rPr lang="ru-RU" dirty="0" smtClean="0"/>
+              <a:t> </a:t>
             </a:r>
-            <a:endParaRPr b="1" dirty="0"/>
-          </a:p>
-          <a:p>
-            <a:pPr marL="0" lvl="0" indent="0" algn="l" rtl="0">
-              <a:lnSpc>
-                <a:spcPct val="100000"/>
-              </a:lnSpc>
-              <a:spcBef>
-                <a:spcPts val="0"/>
-              </a:spcBef>
-              <a:spcAft>
-                <a:spcPts val="0"/>
-              </a:spcAft>
-              <a:buNone/>
-            </a:pPr>
-            <a:endParaRPr dirty="0"/>
-          </a:p>
-          <a:p>
-            <a:pPr marL="457200" lvl="0" indent="-336550" algn="l" rtl="0">
-              <a:lnSpc>
-                <a:spcPct val="100000"/>
-              </a:lnSpc>
-              <a:spcBef>
-                <a:spcPts val="0"/>
-              </a:spcBef>
-              <a:spcAft>
-                <a:spcPts val="0"/>
-              </a:spcAft>
-              <a:buSzPts val="1700"/>
-              <a:buAutoNum type="arabicPeriod"/>
-            </a:pPr>
             <a:r>
-              <a:rPr lang="ru" dirty="0"/>
-              <a:t>Ссылка на репозиторий с исходными кодами или просто удачные кусочки</a:t>
+              <a:rPr lang="ru-RU" dirty="0"/>
+              <a:t>является обобщением последовательности Фибоначчи, где каждый член является суммой трех предыдущих членов.</a:t>
             </a:r>
             <a:endParaRPr dirty="0"/>
           </a:p>
@@ -11323,29 +13906,25 @@
       </p:sp>
       <p:pic>
         <p:nvPicPr>
-          <p:cNvPr id="191" name="Google Shape;191;p37"/>
-          <p:cNvPicPr preferRelativeResize="0"/>
+          <p:cNvPr id="2" name="Рисунок 1"/>
+          <p:cNvPicPr>
+            <a:picLocks noChangeAspect="1"/>
+          </p:cNvPicPr>
           <p:nvPr/>
         </p:nvPicPr>
         <p:blipFill rotWithShape="1">
-          <a:blip r:embed="rId3">
-            <a:alphaModFix/>
-          </a:blip>
-          <a:srcRect l="30645" t="28552" r="28521" b="10490"/>
+          <a:blip r:embed="rId3"/>
+          <a:srcRect b="20514"/>
           <a:stretch/>
         </p:blipFill>
         <p:spPr>
           <a:xfrm>
-            <a:off x="5189100" y="1711850"/>
-            <a:ext cx="3594900" cy="3576900"/>
+            <a:off x="4708599" y="1623333"/>
+            <a:ext cx="3962400" cy="4254953"/>
           </a:xfrm>
           <a:prstGeom prst="rect">
             <a:avLst/>
           </a:prstGeom>
-          <a:noFill/>
-          <a:ln>
-            <a:noFill/>
-          </a:ln>
         </p:spPr>
       </p:pic>
     </p:spTree>
@@ -11397,7 +13976,7 @@
         </p:nvSpPr>
         <p:spPr>
           <a:xfrm>
-            <a:off x="500550" y="440981"/>
+            <a:off x="430882" y="110056"/>
             <a:ext cx="8520600" cy="1306200"/>
           </a:xfrm>
           <a:prstGeom prst="rect">
@@ -11410,239 +13989,214 @@
           </a:bodyPr>
           <a:lstStyle/>
           <a:p>
-            <a:pPr marL="0" lvl="0" indent="0" algn="l" rtl="0">
-              <a:spcBef>
-                <a:spcPts val="0"/>
-              </a:spcBef>
-              <a:spcAft>
-                <a:spcPts val="0"/>
-              </a:spcAft>
-              <a:buNone/>
-            </a:pPr>
+            <a:pPr lvl="0" algn="ctr"/>
             <a:r>
-              <a:rPr lang="ru"/>
-              <a:t>Что получилось</a:t>
+              <a:rPr lang="ru" dirty="0" smtClean="0"/>
+              <a:t>Задача №1. </a:t>
             </a:r>
-            <a:endParaRPr/>
+            <a:r>
+              <a:rPr lang="en-US" dirty="0"/>
+              <a:t>N-</a:t>
+            </a:r>
+            <a:r>
+              <a:rPr lang="en-US" dirty="0" err="1"/>
+              <a:t>th</a:t>
+            </a:r>
+            <a:r>
+              <a:rPr lang="en-US" dirty="0"/>
+              <a:t> </a:t>
+            </a:r>
+            <a:r>
+              <a:rPr lang="en-US" dirty="0" err="1"/>
+              <a:t>Tribonacci</a:t>
+            </a:r>
+            <a:r>
+              <a:rPr lang="en-US" dirty="0"/>
+              <a:t> </a:t>
+            </a:r>
+            <a:r>
+              <a:rPr lang="en-US" dirty="0" smtClean="0"/>
+              <a:t>Number</a:t>
+            </a:r>
+            <a:r>
+              <a:rPr lang="ru-RU" dirty="0" smtClean="0"/>
+              <a:t>. Решение.</a:t>
+            </a:r>
+            <a:endParaRPr dirty="0"/>
           </a:p>
         </p:txBody>
       </p:sp>
-      <p:sp>
-        <p:nvSpPr>
-          <p:cNvPr id="190" name="Google Shape;190;p37"/>
-          <p:cNvSpPr txBox="1">
-            <a:spLocks noGrp="1"/>
-          </p:cNvSpPr>
-          <p:nvPr>
-            <p:ph type="body" idx="1"/>
-          </p:nvPr>
-        </p:nvSpPr>
+      <mc:AlternateContent xmlns:mc="http://schemas.openxmlformats.org/markup-compatibility/2006">
+        <mc:Choice xmlns:a14="http://schemas.microsoft.com/office/drawing/2010/main" Requires="a14">
+          <p:sp>
+            <p:nvSpPr>
+              <p:cNvPr id="190" name="Google Shape;190;p37"/>
+              <p:cNvSpPr txBox="1">
+                <a:spLocks noGrp="1"/>
+              </p:cNvSpPr>
+              <p:nvPr>
+                <p:ph type="body" idx="1"/>
+              </p:nvPr>
+            </p:nvSpPr>
+            <p:spPr>
+              <a:xfrm>
+                <a:off x="134790" y="2262595"/>
+                <a:ext cx="3735977" cy="1807845"/>
+              </a:xfrm>
+              <a:prstGeom prst="rect">
+                <a:avLst/>
+              </a:prstGeom>
+            </p:spPr>
+            <p:txBody>
+              <a:bodyPr spcFirstLastPara="1" wrap="square" lIns="91425" tIns="91425" rIns="91425" bIns="91425" anchor="ctr" anchorCtr="0">
+                <a:normAutofit/>
+              </a:bodyPr>
+              <a:lstStyle/>
+              <a:p>
+                <a:pPr marL="120650" lvl="0" indent="0">
+                  <a:lnSpc>
+                    <a:spcPct val="100000"/>
+                  </a:lnSpc>
+                  <a:spcBef>
+                    <a:spcPts val="0"/>
+                  </a:spcBef>
+                  <a:buNone/>
+                </a:pPr>
+                <a:r>
+                  <a:rPr lang="ru-RU" dirty="0" smtClean="0"/>
+                  <a:t>Рекурсивное решение. Сложность экспоненциальная </a:t>
+                </a:r>
+                <a:r>
+                  <a:rPr lang="en-US" dirty="0"/>
+                  <a:t>O</a:t>
+                </a:r>
+                <a:r>
+                  <a:rPr lang="en-US" dirty="0" smtClean="0"/>
+                  <a:t>(</a:t>
+                </a:r>
+                <a14:m>
+                  <m:oMath xmlns:m="http://schemas.openxmlformats.org/officeDocument/2006/math">
+                    <m:sSup>
+                      <m:sSupPr>
+                        <m:ctrlPr>
+                          <a:rPr lang="en-US" dirty="0" smtClean="0">
+                            <a:latin typeface="Cambria Math" panose="02040503050406030204" pitchFamily="18" charset="0"/>
+                          </a:rPr>
+                        </m:ctrlPr>
+                      </m:sSupPr>
+                      <m:e>
+                        <m:r>
+                          <a:rPr lang="en-US" dirty="0" smtClean="0">
+                            <a:latin typeface="Cambria Math" panose="02040503050406030204" pitchFamily="18" charset="0"/>
+                          </a:rPr>
+                          <m:t>2</m:t>
+                        </m:r>
+                      </m:e>
+                      <m:sup>
+                        <m:r>
+                          <a:rPr lang="en-US" i="1" dirty="0" smtClean="0">
+                            <a:latin typeface="Cambria Math" panose="02040503050406030204" pitchFamily="18" charset="0"/>
+                          </a:rPr>
+                          <m:t>𝑛</m:t>
+                        </m:r>
+                      </m:sup>
+                    </m:sSup>
+                  </m:oMath>
+                </a14:m>
+                <a:r>
+                  <a:rPr lang="en-US" dirty="0" smtClean="0"/>
+                  <a:t>)</a:t>
+                </a:r>
+                <a:r>
+                  <a:rPr lang="ru-RU" dirty="0" smtClean="0"/>
+                  <a:t>.</a:t>
+                </a:r>
+                <a:endParaRPr dirty="0"/>
+              </a:p>
+            </p:txBody>
+          </p:sp>
+        </mc:Choice>
+        <mc:Fallback>
+          <p:sp>
+            <p:nvSpPr>
+              <p:cNvPr id="190" name="Google Shape;190;p37"/>
+              <p:cNvSpPr txBox="1">
+                <a:spLocks noGrp="1" noRot="1" noChangeAspect="1" noMove="1" noResize="1" noEditPoints="1" noAdjustHandles="1" noChangeArrowheads="1" noChangeShapeType="1" noTextEdit="1"/>
+              </p:cNvSpPr>
+              <p:nvPr>
+                <p:ph type="body" idx="1"/>
+              </p:nvPr>
+            </p:nvSpPr>
+            <p:spPr>
+              <a:xfrm>
+                <a:off x="134790" y="2262595"/>
+                <a:ext cx="3735977" cy="1807845"/>
+              </a:xfrm>
+              <a:prstGeom prst="rect">
+                <a:avLst/>
+              </a:prstGeom>
+              <a:blipFill>
+                <a:blip r:embed="rId3"/>
+                <a:stretch>
+                  <a:fillRect/>
+                </a:stretch>
+              </a:blipFill>
+            </p:spPr>
+            <p:txBody>
+              <a:bodyPr/>
+              <a:lstStyle/>
+              <a:p>
+                <a:r>
+                  <a:rPr lang="ru-RU">
+                    <a:noFill/>
+                  </a:rPr>
+                  <a:t> </a:t>
+                </a:r>
+              </a:p>
+            </p:txBody>
+          </p:sp>
+        </mc:Fallback>
+      </mc:AlternateContent>
+      <p:pic>
+        <p:nvPicPr>
+          <p:cNvPr id="3" name="Рисунок 2"/>
+          <p:cNvPicPr>
+            <a:picLocks noChangeAspect="1"/>
+          </p:cNvPicPr>
+          <p:nvPr/>
+        </p:nvPicPr>
+        <p:blipFill rotWithShape="1">
+          <a:blip r:embed="rId4"/>
+          <a:srcRect t="5939" b="3983"/>
+          <a:stretch/>
+        </p:blipFill>
         <p:spPr>
           <a:xfrm>
-            <a:off x="500550" y="1825750"/>
-            <a:ext cx="3921600" cy="3486300"/>
+            <a:off x="3870767" y="2328726"/>
+            <a:ext cx="5191125" cy="1741714"/>
           </a:xfrm>
           <a:prstGeom prst="rect">
             <a:avLst/>
           </a:prstGeom>
         </p:spPr>
-        <p:txBody>
-          <a:bodyPr spcFirstLastPara="1" wrap="square" lIns="91425" tIns="91425" rIns="91425" bIns="91425" anchor="t" anchorCtr="0">
-            <a:normAutofit lnSpcReduction="10000"/>
-          </a:bodyPr>
-          <a:lstStyle/>
-          <a:p>
-            <a:pPr marL="457200" lvl="0" indent="-336550" algn="l" rtl="0">
-              <a:lnSpc>
-                <a:spcPct val="100000"/>
-              </a:lnSpc>
-              <a:spcBef>
-                <a:spcPts val="0"/>
-              </a:spcBef>
-              <a:spcAft>
-                <a:spcPts val="0"/>
-              </a:spcAft>
-              <a:buSzPts val="1700"/>
-              <a:buAutoNum type="arabicPeriod"/>
-            </a:pPr>
-            <a:r>
-              <a:rPr lang="ru" dirty="0"/>
-              <a:t>Скрины основных экранов приложения и действий</a:t>
-            </a:r>
-            <a:endParaRPr dirty="0"/>
-          </a:p>
-          <a:p>
-            <a:pPr marL="0" lvl="0" indent="0" algn="l" rtl="0">
-              <a:lnSpc>
-                <a:spcPct val="100000"/>
-              </a:lnSpc>
-              <a:spcBef>
-                <a:spcPts val="0"/>
-              </a:spcBef>
-              <a:spcAft>
-                <a:spcPts val="0"/>
-              </a:spcAft>
-              <a:buNone/>
-            </a:pPr>
-            <a:endParaRPr dirty="0"/>
-          </a:p>
-          <a:p>
-            <a:pPr marL="0" lvl="0" indent="0" algn="l" rtl="0">
-              <a:lnSpc>
-                <a:spcPct val="100000"/>
-              </a:lnSpc>
-              <a:spcBef>
-                <a:spcPts val="0"/>
-              </a:spcBef>
-              <a:spcAft>
-                <a:spcPts val="0"/>
-              </a:spcAft>
-              <a:buNone/>
-            </a:pPr>
-            <a:r>
-              <a:rPr lang="ru" b="1" dirty="0"/>
-              <a:t>или</a:t>
-            </a:r>
-            <a:endParaRPr b="1" dirty="0"/>
-          </a:p>
-          <a:p>
-            <a:pPr marL="0" lvl="0" indent="0" algn="l" rtl="0">
-              <a:lnSpc>
-                <a:spcPct val="100000"/>
-              </a:lnSpc>
-              <a:spcBef>
-                <a:spcPts val="0"/>
-              </a:spcBef>
-              <a:spcAft>
-                <a:spcPts val="0"/>
-              </a:spcAft>
-              <a:buNone/>
-            </a:pPr>
-            <a:endParaRPr dirty="0"/>
-          </a:p>
-          <a:p>
-            <a:pPr marL="457200" lvl="0" indent="-336550" algn="l" rtl="0">
-              <a:lnSpc>
-                <a:spcPct val="100000"/>
-              </a:lnSpc>
-              <a:spcBef>
-                <a:spcPts val="0"/>
-              </a:spcBef>
-              <a:spcAft>
-                <a:spcPts val="0"/>
-              </a:spcAft>
-              <a:buSzPts val="1700"/>
-              <a:buAutoNum type="arabicPeriod"/>
-            </a:pPr>
-            <a:r>
-              <a:rPr lang="ru" dirty="0"/>
-              <a:t>Демонстрация приложения и исходных кодов</a:t>
-            </a:r>
-            <a:endParaRPr dirty="0"/>
-          </a:p>
-          <a:p>
-            <a:pPr marL="0" lvl="0" indent="0" algn="l" rtl="0">
-              <a:lnSpc>
-                <a:spcPct val="100000"/>
-              </a:lnSpc>
-              <a:spcBef>
-                <a:spcPts val="0"/>
-              </a:spcBef>
-              <a:spcAft>
-                <a:spcPts val="0"/>
-              </a:spcAft>
-              <a:buNone/>
-            </a:pPr>
-            <a:endParaRPr dirty="0"/>
-          </a:p>
-          <a:p>
-            <a:pPr marL="0" lvl="0" indent="0" algn="l" rtl="0">
-              <a:lnSpc>
-                <a:spcPct val="100000"/>
-              </a:lnSpc>
-              <a:spcBef>
-                <a:spcPts val="0"/>
-              </a:spcBef>
-              <a:spcAft>
-                <a:spcPts val="0"/>
-              </a:spcAft>
-              <a:buNone/>
-            </a:pPr>
-            <a:r>
-              <a:rPr lang="ru" b="1" dirty="0"/>
-              <a:t>или</a:t>
-            </a:r>
-            <a:endParaRPr b="1" dirty="0"/>
-          </a:p>
-          <a:p>
-            <a:pPr marL="0" lvl="0" indent="0" algn="l" rtl="0">
-              <a:lnSpc>
-                <a:spcPct val="100000"/>
-              </a:lnSpc>
-              <a:spcBef>
-                <a:spcPts val="0"/>
-              </a:spcBef>
-              <a:spcAft>
-                <a:spcPts val="0"/>
-              </a:spcAft>
-              <a:buNone/>
-            </a:pPr>
-            <a:endParaRPr dirty="0"/>
-          </a:p>
-          <a:p>
-            <a:pPr marL="457200" lvl="0" indent="-336550" algn="l" rtl="0">
-              <a:lnSpc>
-                <a:spcPct val="100000"/>
-              </a:lnSpc>
-              <a:spcBef>
-                <a:spcPts val="0"/>
-              </a:spcBef>
-              <a:spcAft>
-                <a:spcPts val="0"/>
-              </a:spcAft>
-              <a:buSzPts val="1700"/>
-              <a:buAutoNum type="arabicPeriod"/>
-            </a:pPr>
-            <a:r>
-              <a:rPr lang="ru" dirty="0"/>
-              <a:t>Ссылка на репозиторий с исходными кодами или просто удачные кусочки</a:t>
-            </a:r>
-            <a:endParaRPr dirty="0"/>
-          </a:p>
-        </p:txBody>
-      </p:sp>
-      <p:pic>
-        <p:nvPicPr>
-          <p:cNvPr id="191" name="Google Shape;191;p37"/>
-          <p:cNvPicPr preferRelativeResize="0"/>
-          <p:nvPr/>
-        </p:nvPicPr>
-        <p:blipFill rotWithShape="1">
-          <a:blip r:embed="rId3">
-            <a:alphaModFix/>
-          </a:blip>
-          <a:srcRect l="30645" t="28552" r="28521" b="10490"/>
-          <a:stretch/>
-        </p:blipFill>
-        <p:spPr>
-          <a:xfrm>
-            <a:off x="5189100" y="1711850"/>
-            <a:ext cx="3594900" cy="3576900"/>
-          </a:xfrm>
-          <a:prstGeom prst="rect">
-            <a:avLst/>
-          </a:prstGeom>
-          <a:noFill/>
-          <a:ln>
-            <a:noFill/>
-          </a:ln>
-        </p:spPr>
       </p:pic>
     </p:spTree>
+    <p:extLst>
+      <p:ext uri="{BB962C8B-B14F-4D97-AF65-F5344CB8AC3E}">
+        <p14:creationId xmlns:p14="http://schemas.microsoft.com/office/powerpoint/2010/main" val="2870951284"/>
+      </p:ext>
+    </p:extLst>
   </p:cSld>
   <p:clrMapOvr>
     <a:masterClrMapping/>
   </p:clrMapOvr>
+  <p:timing>
+    <p:tnLst>
+      <p:par>
+        <p:cTn id="1" dur="indefinite" restart="never" nodeType="tmRoot"/>
+      </p:par>
+    </p:tnLst>
+  </p:timing>
 </p:sld>
 </file>
 
@@ -11651,7 +14205,7 @@
   <p:cSld>
     <p:spTree>
       <p:nvGrpSpPr>
-        <p:cNvPr id="1" name="Shape 201"/>
+        <p:cNvPr id="1" name="Shape 188"/>
         <p:cNvGrpSpPr/>
         <p:nvPr/>
       </p:nvGrpSpPr>
@@ -11665,7 +14219,7 @@
       </p:grpSpPr>
       <p:sp>
         <p:nvSpPr>
-          <p:cNvPr id="202" name="Google Shape;202;p39"/>
+          <p:cNvPr id="189" name="Google Shape;189;p37"/>
           <p:cNvSpPr txBox="1">
             <a:spLocks noGrp="1"/>
           </p:cNvSpPr>
@@ -11675,7 +14229,7 @@
         </p:nvSpPr>
         <p:spPr>
           <a:xfrm>
-            <a:off x="500550" y="440981"/>
+            <a:off x="430882" y="110056"/>
             <a:ext cx="8520600" cy="1306200"/>
           </a:xfrm>
           <a:prstGeom prst="rect">
@@ -11688,591 +14242,462 @@
           </a:bodyPr>
           <a:lstStyle/>
           <a:p>
-            <a:pPr marL="0" lvl="0" indent="0" algn="l" rtl="0">
-              <a:spcBef>
-                <a:spcPts val="0"/>
-              </a:spcBef>
-              <a:spcAft>
-                <a:spcPts val="0"/>
-              </a:spcAft>
-              <a:buNone/>
-            </a:pPr>
+            <a:pPr lvl="0" algn="ctr"/>
             <a:r>
-              <a:rPr lang="ru"/>
-              <a:t>Выводы и планы по развитию</a:t>
+              <a:rPr lang="ru" dirty="0" smtClean="0"/>
+              <a:t>Задача №1. </a:t>
             </a:r>
-            <a:endParaRPr/>
+            <a:r>
+              <a:rPr lang="en-US" dirty="0"/>
+              <a:t>N-</a:t>
+            </a:r>
+            <a:r>
+              <a:rPr lang="en-US" dirty="0" err="1"/>
+              <a:t>th</a:t>
+            </a:r>
+            <a:r>
+              <a:rPr lang="en-US" dirty="0"/>
+              <a:t> </a:t>
+            </a:r>
+            <a:r>
+              <a:rPr lang="en-US" dirty="0" err="1"/>
+              <a:t>Tribonacci</a:t>
+            </a:r>
+            <a:r>
+              <a:rPr lang="en-US" dirty="0"/>
+              <a:t> </a:t>
+            </a:r>
+            <a:r>
+              <a:rPr lang="en-US" dirty="0" smtClean="0"/>
+              <a:t>Number</a:t>
+            </a:r>
+            <a:r>
+              <a:rPr lang="ru-RU" dirty="0" smtClean="0"/>
+              <a:t>. Решение.</a:t>
+            </a:r>
+            <a:endParaRPr dirty="0"/>
           </a:p>
         </p:txBody>
       </p:sp>
-      <p:graphicFrame>
-        <p:nvGraphicFramePr>
-          <p:cNvPr id="203" name="Google Shape;203;p39"/>
-          <p:cNvGraphicFramePr/>
-          <p:nvPr/>
-        </p:nvGraphicFramePr>
-        <p:xfrm>
-          <a:off x="952500" y="2058925"/>
-          <a:ext cx="7239000" cy="1442376"/>
-        </p:xfrm>
-        <a:graphic>
-          <a:graphicData uri="http://schemas.openxmlformats.org/drawingml/2006/table">
-            <a:tbl>
-              <a:tblPr>
-                <a:noFill/>
-                <a:tableStyleId>{FFBF153C-E521-4245-AB3C-9238F05966FA}</a:tableStyleId>
-              </a:tblPr>
-              <a:tblGrid>
-                <a:gridCol w="489425">
-                  <a:extLst>
-                    <a:ext uri="{9D8B030D-6E8A-4147-A177-3AD203B41FA5}">
-                      <a16:colId xmlns:a16="http://schemas.microsoft.com/office/drawing/2014/main" val="20000"/>
-                    </a:ext>
-                  </a:extLst>
-                </a:gridCol>
-                <a:gridCol w="6749575">
-                  <a:extLst>
-                    <a:ext uri="{9D8B030D-6E8A-4147-A177-3AD203B41FA5}">
-                      <a16:colId xmlns:a16="http://schemas.microsoft.com/office/drawing/2014/main" val="20001"/>
-                    </a:ext>
-                  </a:extLst>
-                </a:gridCol>
-              </a:tblGrid>
-              <a:tr h="381000">
-                <a:tc>
-                  <a:txBody>
-                    <a:bodyPr/>
-                    <a:lstStyle/>
-                    <a:p>
-                      <a:pPr marL="0" lvl="0" indent="0" algn="l" rtl="0">
-                        <a:spcBef>
-                          <a:spcPts val="0"/>
-                        </a:spcBef>
-                        <a:spcAft>
-                          <a:spcPts val="0"/>
-                        </a:spcAft>
-                        <a:buNone/>
-                      </a:pPr>
-                      <a:r>
-                        <a:rPr lang="ru" sz="1700" b="1">
-                          <a:solidFill>
-                            <a:srgbClr val="013D85"/>
-                          </a:solidFill>
-                          <a:latin typeface="Roboto"/>
-                          <a:ea typeface="Roboto"/>
-                          <a:cs typeface="Roboto"/>
-                          <a:sym typeface="Roboto"/>
-                        </a:rPr>
-                        <a:t>1.</a:t>
-                      </a:r>
-                      <a:endParaRPr sz="1700" b="1">
-                        <a:solidFill>
-                          <a:srgbClr val="013D85"/>
-                        </a:solidFill>
-                        <a:latin typeface="Roboto"/>
-                        <a:ea typeface="Roboto"/>
-                        <a:cs typeface="Roboto"/>
-                        <a:sym typeface="Roboto"/>
-                      </a:endParaRPr>
-                    </a:p>
-                  </a:txBody>
-                  <a:tcPr marL="198000" marR="91425" marT="91425" marB="91425">
-                    <a:lnL w="9525" cap="flat" cmpd="sng">
-                      <a:solidFill>
-                        <a:srgbClr val="BFC1F0">
-                          <a:alpha val="0"/>
-                        </a:srgbClr>
-                      </a:solidFill>
-                      <a:prstDash val="solid"/>
-                      <a:round/>
-                      <a:headEnd type="none" w="sm" len="sm"/>
-                      <a:tailEnd type="none" w="sm" len="sm"/>
-                    </a:lnL>
-                    <a:lnR w="9525" cap="flat" cmpd="sng">
-                      <a:solidFill>
-                        <a:schemeClr val="lt1"/>
-                      </a:solidFill>
-                      <a:prstDash val="solid"/>
-                      <a:round/>
-                      <a:headEnd type="none" w="sm" len="sm"/>
-                      <a:tailEnd type="none" w="sm" len="sm"/>
-                    </a:lnR>
-                    <a:lnT w="9525" cap="flat" cmpd="sng">
-                      <a:solidFill>
-                        <a:srgbClr val="BFC1F0">
-                          <a:alpha val="0"/>
-                        </a:srgbClr>
-                      </a:solidFill>
-                      <a:prstDash val="solid"/>
-                      <a:round/>
-                      <a:headEnd type="none" w="sm" len="sm"/>
-                      <a:tailEnd type="none" w="sm" len="sm"/>
-                    </a:lnT>
-                    <a:lnB w="9525" cap="flat" cmpd="sng">
-                      <a:solidFill>
-                        <a:srgbClr val="BFC1F0"/>
-                      </a:solidFill>
-                      <a:prstDash val="solid"/>
-                      <a:round/>
-                      <a:headEnd type="none" w="sm" len="sm"/>
-                      <a:tailEnd type="none" w="sm" len="sm"/>
-                    </a:lnB>
-                  </a:tcPr>
-                </a:tc>
-                <a:tc>
-                  <a:txBody>
-                    <a:bodyPr/>
-                    <a:lstStyle/>
-                    <a:p>
-                      <a:pPr marL="0" lvl="0" indent="0" algn="l" rtl="0">
-                        <a:lnSpc>
-                          <a:spcPct val="115000"/>
-                        </a:lnSpc>
-                        <a:spcBef>
-                          <a:spcPts val="0"/>
-                        </a:spcBef>
-                        <a:spcAft>
-                          <a:spcPts val="0"/>
-                        </a:spcAft>
-                        <a:buNone/>
-                      </a:pPr>
-                      <a:endParaRPr sz="1700">
-                        <a:latin typeface="Roboto"/>
-                        <a:ea typeface="Roboto"/>
-                        <a:cs typeface="Roboto"/>
-                        <a:sym typeface="Roboto"/>
-                      </a:endParaRPr>
-                    </a:p>
-                  </a:txBody>
-                  <a:tcPr marL="198000" marR="91425" marT="91425" marB="91425">
-                    <a:lnL w="9525" cap="flat" cmpd="sng">
-                      <a:solidFill>
-                        <a:schemeClr val="lt1"/>
-                      </a:solidFill>
-                      <a:prstDash val="solid"/>
-                      <a:round/>
-                      <a:headEnd type="none" w="sm" len="sm"/>
-                      <a:tailEnd type="none" w="sm" len="sm"/>
-                    </a:lnL>
-                    <a:lnR w="9525" cap="flat" cmpd="sng">
-                      <a:solidFill>
-                        <a:srgbClr val="BFC1F0">
-                          <a:alpha val="0"/>
-                        </a:srgbClr>
-                      </a:solidFill>
-                      <a:prstDash val="solid"/>
-                      <a:round/>
-                      <a:headEnd type="none" w="sm" len="sm"/>
-                      <a:tailEnd type="none" w="sm" len="sm"/>
-                    </a:lnR>
-                    <a:lnT w="9525" cap="flat" cmpd="sng">
-                      <a:solidFill>
-                        <a:srgbClr val="BFC1F0">
-                          <a:alpha val="0"/>
-                        </a:srgbClr>
-                      </a:solidFill>
-                      <a:prstDash val="solid"/>
-                      <a:round/>
-                      <a:headEnd type="none" w="sm" len="sm"/>
-                      <a:tailEnd type="none" w="sm" len="sm"/>
-                    </a:lnT>
-                    <a:lnB w="9525" cap="flat" cmpd="sng">
-                      <a:solidFill>
-                        <a:srgbClr val="BFC1F0"/>
-                      </a:solidFill>
-                      <a:prstDash val="solid"/>
-                      <a:round/>
-                      <a:headEnd type="none" w="sm" len="sm"/>
-                      <a:tailEnd type="none" w="sm" len="sm"/>
-                    </a:lnB>
-                  </a:tcPr>
-                </a:tc>
-                <a:extLst>
-                  <a:ext uri="{0D108BD9-81ED-4DB2-BD59-A6C34878D82A}">
-                    <a16:rowId xmlns:a16="http://schemas.microsoft.com/office/drawing/2014/main" val="10000"/>
-                  </a:ext>
-                </a:extLst>
-              </a:tr>
-              <a:tr h="381000">
-                <a:tc>
-                  <a:txBody>
-                    <a:bodyPr/>
-                    <a:lstStyle/>
-                    <a:p>
-                      <a:pPr marL="0" lvl="0" indent="0" algn="l" rtl="0">
-                        <a:spcBef>
-                          <a:spcPts val="0"/>
-                        </a:spcBef>
-                        <a:spcAft>
-                          <a:spcPts val="0"/>
-                        </a:spcAft>
-                        <a:buNone/>
-                      </a:pPr>
-                      <a:r>
-                        <a:rPr lang="ru" sz="1700" b="1">
-                          <a:solidFill>
-                            <a:srgbClr val="013D85"/>
-                          </a:solidFill>
-                          <a:latin typeface="Roboto"/>
-                          <a:ea typeface="Roboto"/>
-                          <a:cs typeface="Roboto"/>
-                          <a:sym typeface="Roboto"/>
-                        </a:rPr>
-                        <a:t>2.</a:t>
-                      </a:r>
-                      <a:endParaRPr sz="1700" b="1">
-                        <a:solidFill>
-                          <a:srgbClr val="013D85"/>
-                        </a:solidFill>
-                        <a:latin typeface="Roboto"/>
-                        <a:ea typeface="Roboto"/>
-                        <a:cs typeface="Roboto"/>
-                        <a:sym typeface="Roboto"/>
-                      </a:endParaRPr>
-                    </a:p>
-                  </a:txBody>
-                  <a:tcPr marL="198000" marR="91425" marT="91425" marB="91425">
-                    <a:lnL w="9525" cap="flat" cmpd="sng">
-                      <a:solidFill>
-                        <a:srgbClr val="BFC1F0">
-                          <a:alpha val="0"/>
-                        </a:srgbClr>
-                      </a:solidFill>
-                      <a:prstDash val="solid"/>
-                      <a:round/>
-                      <a:headEnd type="none" w="sm" len="sm"/>
-                      <a:tailEnd type="none" w="sm" len="sm"/>
-                    </a:lnL>
-                    <a:lnR w="9525" cap="flat" cmpd="sng">
-                      <a:solidFill>
-                        <a:schemeClr val="lt1"/>
-                      </a:solidFill>
-                      <a:prstDash val="solid"/>
-                      <a:round/>
-                      <a:headEnd type="none" w="sm" len="sm"/>
-                      <a:tailEnd type="none" w="sm" len="sm"/>
-                    </a:lnR>
-                    <a:lnT w="9525" cap="flat" cmpd="sng">
-                      <a:solidFill>
-                        <a:srgbClr val="BFC1F0"/>
-                      </a:solidFill>
-                      <a:prstDash val="solid"/>
-                      <a:round/>
-                      <a:headEnd type="none" w="sm" len="sm"/>
-                      <a:tailEnd type="none" w="sm" len="sm"/>
-                    </a:lnT>
-                    <a:lnB w="9525" cap="flat" cmpd="sng">
-                      <a:solidFill>
-                        <a:srgbClr val="BFC1F0"/>
-                      </a:solidFill>
-                      <a:prstDash val="solid"/>
-                      <a:round/>
-                      <a:headEnd type="none" w="sm" len="sm"/>
-                      <a:tailEnd type="none" w="sm" len="sm"/>
-                    </a:lnB>
-                  </a:tcPr>
-                </a:tc>
-                <a:tc>
-                  <a:txBody>
-                    <a:bodyPr/>
-                    <a:lstStyle/>
-                    <a:p>
-                      <a:pPr marL="0" lvl="0" indent="0" algn="l" rtl="0">
-                        <a:lnSpc>
-                          <a:spcPct val="115000"/>
-                        </a:lnSpc>
-                        <a:spcBef>
-                          <a:spcPts val="0"/>
-                        </a:spcBef>
-                        <a:spcAft>
-                          <a:spcPts val="0"/>
-                        </a:spcAft>
-                        <a:buNone/>
-                      </a:pPr>
-                      <a:endParaRPr sz="1700">
-                        <a:latin typeface="Roboto"/>
-                        <a:ea typeface="Roboto"/>
-                        <a:cs typeface="Roboto"/>
-                        <a:sym typeface="Roboto"/>
-                      </a:endParaRPr>
-                    </a:p>
-                  </a:txBody>
-                  <a:tcPr marL="198000" marR="91425" marT="91425" marB="91425">
-                    <a:lnL w="9525" cap="flat" cmpd="sng">
-                      <a:solidFill>
-                        <a:schemeClr val="lt1"/>
-                      </a:solidFill>
-                      <a:prstDash val="solid"/>
-                      <a:round/>
-                      <a:headEnd type="none" w="sm" len="sm"/>
-                      <a:tailEnd type="none" w="sm" len="sm"/>
-                    </a:lnL>
-                    <a:lnR w="9525" cap="flat" cmpd="sng">
-                      <a:solidFill>
-                        <a:srgbClr val="BFC1F0">
-                          <a:alpha val="0"/>
-                        </a:srgbClr>
-                      </a:solidFill>
-                      <a:prstDash val="solid"/>
-                      <a:round/>
-                      <a:headEnd type="none" w="sm" len="sm"/>
-                      <a:tailEnd type="none" w="sm" len="sm"/>
-                    </a:lnR>
-                    <a:lnT w="9525" cap="flat" cmpd="sng">
-                      <a:solidFill>
-                        <a:srgbClr val="BFC1F0"/>
-                      </a:solidFill>
-                      <a:prstDash val="solid"/>
-                      <a:round/>
-                      <a:headEnd type="none" w="sm" len="sm"/>
-                      <a:tailEnd type="none" w="sm" len="sm"/>
-                    </a:lnT>
-                    <a:lnB w="9525" cap="flat" cmpd="sng">
-                      <a:solidFill>
-                        <a:srgbClr val="BFC1F0"/>
-                      </a:solidFill>
-                      <a:prstDash val="solid"/>
-                      <a:round/>
-                      <a:headEnd type="none" w="sm" len="sm"/>
-                      <a:tailEnd type="none" w="sm" len="sm"/>
-                    </a:lnB>
-                  </a:tcPr>
-                </a:tc>
-                <a:extLst>
-                  <a:ext uri="{0D108BD9-81ED-4DB2-BD59-A6C34878D82A}">
-                    <a16:rowId xmlns:a16="http://schemas.microsoft.com/office/drawing/2014/main" val="10001"/>
-                  </a:ext>
-                </a:extLst>
-              </a:tr>
-              <a:tr h="381000">
-                <a:tc>
-                  <a:txBody>
-                    <a:bodyPr/>
-                    <a:lstStyle/>
-                    <a:p>
-                      <a:pPr marL="0" lvl="0" indent="0" algn="l" rtl="0">
-                        <a:spcBef>
-                          <a:spcPts val="0"/>
-                        </a:spcBef>
-                        <a:spcAft>
-                          <a:spcPts val="0"/>
-                        </a:spcAft>
-                        <a:buNone/>
-                      </a:pPr>
-                      <a:r>
-                        <a:rPr lang="ru" sz="1700" b="1">
-                          <a:solidFill>
-                            <a:srgbClr val="013D85"/>
-                          </a:solidFill>
-                          <a:latin typeface="Roboto"/>
-                          <a:ea typeface="Roboto"/>
-                          <a:cs typeface="Roboto"/>
-                          <a:sym typeface="Roboto"/>
-                        </a:rPr>
-                        <a:t>3.</a:t>
-                      </a:r>
-                      <a:endParaRPr sz="1700" b="1">
-                        <a:solidFill>
-                          <a:srgbClr val="013D85"/>
-                        </a:solidFill>
-                        <a:latin typeface="Roboto"/>
-                        <a:ea typeface="Roboto"/>
-                        <a:cs typeface="Roboto"/>
-                        <a:sym typeface="Roboto"/>
-                      </a:endParaRPr>
-                    </a:p>
-                  </a:txBody>
-                  <a:tcPr marL="198000" marR="91425" marT="91425" marB="91425">
-                    <a:lnL w="9525" cap="flat" cmpd="sng">
-                      <a:solidFill>
-                        <a:srgbClr val="BFC1F0">
-                          <a:alpha val="0"/>
-                        </a:srgbClr>
-                      </a:solidFill>
-                      <a:prstDash val="solid"/>
-                      <a:round/>
-                      <a:headEnd type="none" w="sm" len="sm"/>
-                      <a:tailEnd type="none" w="sm" len="sm"/>
-                    </a:lnL>
-                    <a:lnR w="9525" cap="flat" cmpd="sng">
-                      <a:solidFill>
-                        <a:schemeClr val="lt1"/>
-                      </a:solidFill>
-                      <a:prstDash val="solid"/>
-                      <a:round/>
-                      <a:headEnd type="none" w="sm" len="sm"/>
-                      <a:tailEnd type="none" w="sm" len="sm"/>
-                    </a:lnR>
-                    <a:lnT w="9525" cap="flat" cmpd="sng">
-                      <a:solidFill>
-                        <a:srgbClr val="BFC1F0"/>
-                      </a:solidFill>
-                      <a:prstDash val="solid"/>
-                      <a:round/>
-                      <a:headEnd type="none" w="sm" len="sm"/>
-                      <a:tailEnd type="none" w="sm" len="sm"/>
-                    </a:lnT>
-                    <a:lnB w="9525" cap="flat" cmpd="sng">
-                      <a:solidFill>
-                        <a:srgbClr val="BFC1F0"/>
-                      </a:solidFill>
-                      <a:prstDash val="solid"/>
-                      <a:round/>
-                      <a:headEnd type="none" w="sm" len="sm"/>
-                      <a:tailEnd type="none" w="sm" len="sm"/>
-                    </a:lnB>
-                  </a:tcPr>
-                </a:tc>
-                <a:tc>
-                  <a:txBody>
-                    <a:bodyPr/>
-                    <a:lstStyle/>
-                    <a:p>
-                      <a:pPr marL="0" lvl="0" indent="0" algn="l" rtl="0">
-                        <a:lnSpc>
-                          <a:spcPct val="115000"/>
-                        </a:lnSpc>
-                        <a:spcBef>
-                          <a:spcPts val="0"/>
-                        </a:spcBef>
-                        <a:spcAft>
-                          <a:spcPts val="0"/>
-                        </a:spcAft>
-                        <a:buNone/>
-                      </a:pPr>
-                      <a:endParaRPr sz="1700">
-                        <a:latin typeface="Roboto"/>
-                        <a:ea typeface="Roboto"/>
-                        <a:cs typeface="Roboto"/>
-                        <a:sym typeface="Roboto"/>
-                      </a:endParaRPr>
-                    </a:p>
-                  </a:txBody>
-                  <a:tcPr marL="198000" marR="91425" marT="91425" marB="91425">
-                    <a:lnL w="9525" cap="flat" cmpd="sng">
-                      <a:solidFill>
-                        <a:schemeClr val="lt1"/>
-                      </a:solidFill>
-                      <a:prstDash val="solid"/>
-                      <a:round/>
-                      <a:headEnd type="none" w="sm" len="sm"/>
-                      <a:tailEnd type="none" w="sm" len="sm"/>
-                    </a:lnL>
-                    <a:lnR w="9525" cap="flat" cmpd="sng">
-                      <a:solidFill>
-                        <a:srgbClr val="BFC1F0">
-                          <a:alpha val="0"/>
-                        </a:srgbClr>
-                      </a:solidFill>
-                      <a:prstDash val="solid"/>
-                      <a:round/>
-                      <a:headEnd type="none" w="sm" len="sm"/>
-                      <a:tailEnd type="none" w="sm" len="sm"/>
-                    </a:lnR>
-                    <a:lnT w="9525" cap="flat" cmpd="sng">
-                      <a:solidFill>
-                        <a:srgbClr val="BFC1F0"/>
-                      </a:solidFill>
-                      <a:prstDash val="solid"/>
-                      <a:round/>
-                      <a:headEnd type="none" w="sm" len="sm"/>
-                      <a:tailEnd type="none" w="sm" len="sm"/>
-                    </a:lnT>
-                    <a:lnB w="9525" cap="flat" cmpd="sng">
-                      <a:solidFill>
-                        <a:srgbClr val="BFC1F0"/>
-                      </a:solidFill>
-                      <a:prstDash val="solid"/>
-                      <a:round/>
-                      <a:headEnd type="none" w="sm" len="sm"/>
-                      <a:tailEnd type="none" w="sm" len="sm"/>
-                    </a:lnB>
-                  </a:tcPr>
-                </a:tc>
-                <a:extLst>
-                  <a:ext uri="{0D108BD9-81ED-4DB2-BD59-A6C34878D82A}">
-                    <a16:rowId xmlns:a16="http://schemas.microsoft.com/office/drawing/2014/main" val="10002"/>
-                  </a:ext>
-                </a:extLst>
-              </a:tr>
-            </a:tbl>
-          </a:graphicData>
-        </a:graphic>
-      </p:graphicFrame>
       <p:sp>
         <p:nvSpPr>
-          <p:cNvPr id="204" name="Google Shape;204;p39"/>
-          <p:cNvSpPr/>
+          <p:cNvPr id="7" name="Google Shape;190;p37"/>
+          <p:cNvSpPr txBox="1">
+            <a:spLocks/>
+          </p:cNvSpPr>
           <p:nvPr/>
         </p:nvSpPr>
         <p:spPr>
           <a:xfrm>
-            <a:off x="4768500" y="4502600"/>
-            <a:ext cx="3423000" cy="1092000"/>
+            <a:off x="204459" y="1625262"/>
+            <a:ext cx="3735977" cy="4139813"/>
           </a:xfrm>
-          <a:prstGeom prst="wedgeRectCallout">
-            <a:avLst>
-              <a:gd name="adj1" fmla="val -44483"/>
-              <a:gd name="adj2" fmla="val -89998"/>
-            </a:avLst>
+          <a:prstGeom prst="rect">
+            <a:avLst/>
           </a:prstGeom>
-          <a:solidFill>
-            <a:srgbClr val="F3F3F3"/>
-          </a:solidFill>
-          <a:ln w="9525" cap="flat" cmpd="sng">
-            <a:solidFill>
-              <a:srgbClr val="013D85"/>
-            </a:solidFill>
-            <a:prstDash val="solid"/>
-            <a:round/>
-            <a:headEnd type="none" w="sm" len="sm"/>
-            <a:tailEnd type="none" w="sm" len="sm"/>
+          <a:noFill/>
+          <a:ln>
+            <a:noFill/>
           </a:ln>
         </p:spPr>
         <p:txBody>
-          <a:bodyPr spcFirstLastPara="1" wrap="square" lIns="198000" tIns="126000" rIns="198000" bIns="126000" anchor="ctr" anchorCtr="0">
-            <a:noAutofit/>
+          <a:bodyPr spcFirstLastPara="1" wrap="square" lIns="91425" tIns="91425" rIns="91425" bIns="91425" anchor="ctr" anchorCtr="0">
+            <a:normAutofit/>
           </a:bodyPr>
-          <a:lstStyle/>
-          <a:p>
-            <a:pPr marL="0" lvl="0" indent="0" algn="l" rtl="0">
-              <a:spcBef>
-                <a:spcPts val="600"/>
-              </a:spcBef>
-              <a:spcAft>
-                <a:spcPts val="0"/>
-              </a:spcAft>
-              <a:buNone/>
-            </a:pPr>
-            <a:r>
-              <a:rPr lang="ru" sz="1500">
-                <a:solidFill>
-                  <a:srgbClr val="02418B"/>
+          <a:lstStyle>
+            <a:defPPr marR="0" lvl="0" algn="l" rtl="0">
+              <a:lnSpc>
+                <a:spcPct val="100000"/>
+              </a:lnSpc>
+              <a:spcBef>
+                <a:spcPts val="0"/>
+              </a:spcBef>
+              <a:spcAft>
+                <a:spcPts val="0"/>
+              </a:spcAft>
+            </a:defPPr>
+            <a:lvl1pPr marL="457200" marR="0" lvl="0" indent="-336550" algn="l" rtl="0">
+              <a:lnSpc>
+                <a:spcPct val="120000"/>
+              </a:lnSpc>
+              <a:spcBef>
+                <a:spcPts val="300"/>
+              </a:spcBef>
+              <a:spcAft>
+                <a:spcPts val="0"/>
+              </a:spcAft>
+              <a:buClr>
+                <a:schemeClr val="dk1"/>
+              </a:buClr>
+              <a:buSzPts val="1700"/>
+              <a:buFont typeface="Roboto"/>
+              <a:buChar char="●"/>
+              <a:defRPr sz="1700" b="0" i="0" u="none" strike="noStrike" cap="none">
+                <a:solidFill>
+                  <a:schemeClr val="dk1"/>
                 </a:solidFill>
                 <a:latin typeface="Roboto"/>
                 <a:ea typeface="Roboto"/>
                 <a:cs typeface="Roboto"/>
                 <a:sym typeface="Roboto"/>
-              </a:rPr>
-              <a:t>Запланируйте пару минут на рефлексию в конце защиты проекта и расскажите о планах по развитию</a:t>
+              </a:defRPr>
+            </a:lvl1pPr>
+            <a:lvl2pPr marL="914400" marR="0" lvl="1" indent="-317500" algn="l" rtl="0">
+              <a:lnSpc>
+                <a:spcPct val="120000"/>
+              </a:lnSpc>
+              <a:spcBef>
+                <a:spcPts val="300"/>
+              </a:spcBef>
+              <a:spcAft>
+                <a:spcPts val="0"/>
+              </a:spcAft>
+              <a:buClr>
+                <a:schemeClr val="dk1"/>
+              </a:buClr>
+              <a:buSzPts val="1400"/>
+              <a:buFont typeface="Roboto"/>
+              <a:buChar char="○"/>
+              <a:defRPr sz="1400" b="0" i="0" u="none" strike="noStrike" cap="none">
+                <a:solidFill>
+                  <a:schemeClr val="dk1"/>
+                </a:solidFill>
+                <a:latin typeface="Roboto"/>
+                <a:ea typeface="Roboto"/>
+                <a:cs typeface="Roboto"/>
+                <a:sym typeface="Roboto"/>
+              </a:defRPr>
+            </a:lvl2pPr>
+            <a:lvl3pPr marL="1371600" marR="0" lvl="2" indent="-317500" algn="l" rtl="0">
+              <a:lnSpc>
+                <a:spcPct val="120000"/>
+              </a:lnSpc>
+              <a:spcBef>
+                <a:spcPts val="300"/>
+              </a:spcBef>
+              <a:spcAft>
+                <a:spcPts val="0"/>
+              </a:spcAft>
+              <a:buClr>
+                <a:schemeClr val="dk2"/>
+              </a:buClr>
+              <a:buSzPts val="1400"/>
+              <a:buFont typeface="Roboto"/>
+              <a:buChar char="■"/>
+              <a:defRPr sz="1400" b="0" i="0" u="none" strike="noStrike" cap="none">
+                <a:solidFill>
+                  <a:schemeClr val="dk2"/>
+                </a:solidFill>
+                <a:latin typeface="Roboto"/>
+                <a:ea typeface="Roboto"/>
+                <a:cs typeface="Roboto"/>
+                <a:sym typeface="Roboto"/>
+              </a:defRPr>
+            </a:lvl3pPr>
+            <a:lvl4pPr marL="1828800" marR="0" lvl="3" indent="-317500" algn="l" rtl="0">
+              <a:lnSpc>
+                <a:spcPct val="120000"/>
+              </a:lnSpc>
+              <a:spcBef>
+                <a:spcPts val="300"/>
+              </a:spcBef>
+              <a:spcAft>
+                <a:spcPts val="0"/>
+              </a:spcAft>
+              <a:buClr>
+                <a:schemeClr val="dk2"/>
+              </a:buClr>
+              <a:buSzPts val="1400"/>
+              <a:buFont typeface="Roboto"/>
+              <a:buChar char="●"/>
+              <a:defRPr sz="1400" b="0" i="0" u="none" strike="noStrike" cap="none">
+                <a:solidFill>
+                  <a:schemeClr val="dk2"/>
+                </a:solidFill>
+                <a:latin typeface="Roboto"/>
+                <a:ea typeface="Roboto"/>
+                <a:cs typeface="Roboto"/>
+                <a:sym typeface="Roboto"/>
+              </a:defRPr>
+            </a:lvl4pPr>
+            <a:lvl5pPr marL="2286000" marR="0" lvl="4" indent="-317500" algn="l" rtl="0">
+              <a:lnSpc>
+                <a:spcPct val="120000"/>
+              </a:lnSpc>
+              <a:spcBef>
+                <a:spcPts val="0"/>
+              </a:spcBef>
+              <a:spcAft>
+                <a:spcPts val="0"/>
+              </a:spcAft>
+              <a:buClr>
+                <a:schemeClr val="dk2"/>
+              </a:buClr>
+              <a:buSzPts val="1400"/>
+              <a:buFont typeface="Roboto"/>
+              <a:buChar char="○"/>
+              <a:defRPr sz="1400" b="0" i="0" u="none" strike="noStrike" cap="none">
+                <a:solidFill>
+                  <a:schemeClr val="dk2"/>
+                </a:solidFill>
+                <a:latin typeface="Roboto"/>
+                <a:ea typeface="Roboto"/>
+                <a:cs typeface="Roboto"/>
+                <a:sym typeface="Roboto"/>
+              </a:defRPr>
+            </a:lvl5pPr>
+            <a:lvl6pPr marL="2743200" marR="0" lvl="5" indent="-317500" algn="l" rtl="0">
+              <a:lnSpc>
+                <a:spcPct val="120000"/>
+              </a:lnSpc>
+              <a:spcBef>
+                <a:spcPts val="300"/>
+              </a:spcBef>
+              <a:spcAft>
+                <a:spcPts val="0"/>
+              </a:spcAft>
+              <a:buClr>
+                <a:schemeClr val="dk2"/>
+              </a:buClr>
+              <a:buSzPts val="1400"/>
+              <a:buFont typeface="Roboto"/>
+              <a:buChar char="■"/>
+              <a:defRPr sz="1400" b="0" i="0" u="none" strike="noStrike" cap="none">
+                <a:solidFill>
+                  <a:schemeClr val="dk2"/>
+                </a:solidFill>
+                <a:latin typeface="Roboto"/>
+                <a:ea typeface="Roboto"/>
+                <a:cs typeface="Roboto"/>
+                <a:sym typeface="Roboto"/>
+              </a:defRPr>
+            </a:lvl6pPr>
+            <a:lvl7pPr marL="3200400" marR="0" lvl="6" indent="-317500" algn="l" rtl="0">
+              <a:lnSpc>
+                <a:spcPct val="120000"/>
+              </a:lnSpc>
+              <a:spcBef>
+                <a:spcPts val="300"/>
+              </a:spcBef>
+              <a:spcAft>
+                <a:spcPts val="0"/>
+              </a:spcAft>
+              <a:buClr>
+                <a:schemeClr val="dk2"/>
+              </a:buClr>
+              <a:buSzPts val="1400"/>
+              <a:buFont typeface="Roboto"/>
+              <a:buChar char="●"/>
+              <a:defRPr sz="1400" b="0" i="0" u="none" strike="noStrike" cap="none">
+                <a:solidFill>
+                  <a:schemeClr val="dk2"/>
+                </a:solidFill>
+                <a:latin typeface="Roboto"/>
+                <a:ea typeface="Roboto"/>
+                <a:cs typeface="Roboto"/>
+                <a:sym typeface="Roboto"/>
+              </a:defRPr>
+            </a:lvl7pPr>
+            <a:lvl8pPr marL="3657600" marR="0" lvl="7" indent="-317500" algn="l" rtl="0">
+              <a:lnSpc>
+                <a:spcPct val="120000"/>
+              </a:lnSpc>
+              <a:spcBef>
+                <a:spcPts val="300"/>
+              </a:spcBef>
+              <a:spcAft>
+                <a:spcPts val="0"/>
+              </a:spcAft>
+              <a:buClr>
+                <a:schemeClr val="dk2"/>
+              </a:buClr>
+              <a:buSzPts val="1400"/>
+              <a:buFont typeface="Roboto"/>
+              <a:buChar char="○"/>
+              <a:defRPr sz="1400" b="0" i="0" u="none" strike="noStrike" cap="none">
+                <a:solidFill>
+                  <a:schemeClr val="dk2"/>
+                </a:solidFill>
+                <a:latin typeface="Roboto"/>
+                <a:ea typeface="Roboto"/>
+                <a:cs typeface="Roboto"/>
+                <a:sym typeface="Roboto"/>
+              </a:defRPr>
+            </a:lvl8pPr>
+            <a:lvl9pPr marL="4114800" marR="0" lvl="8" indent="-317500" algn="l" rtl="0">
+              <a:lnSpc>
+                <a:spcPct val="120000"/>
+              </a:lnSpc>
+              <a:spcBef>
+                <a:spcPts val="300"/>
+              </a:spcBef>
+              <a:spcAft>
+                <a:spcPts val="0"/>
+              </a:spcAft>
+              <a:buClr>
+                <a:schemeClr val="dk2"/>
+              </a:buClr>
+              <a:buSzPts val="1400"/>
+              <a:buFont typeface="Roboto"/>
+              <a:buChar char="■"/>
+              <a:defRPr sz="1400" b="0" i="0" u="none" strike="noStrike" cap="none">
+                <a:solidFill>
+                  <a:schemeClr val="dk2"/>
+                </a:solidFill>
+                <a:latin typeface="Roboto"/>
+                <a:ea typeface="Roboto"/>
+                <a:cs typeface="Roboto"/>
+                <a:sym typeface="Roboto"/>
+              </a:defRPr>
+            </a:lvl9pPr>
+          </a:lstStyle>
+          <a:p>
+            <a:pPr marL="120650" indent="0">
+              <a:lnSpc>
+                <a:spcPct val="100000"/>
+              </a:lnSpc>
+              <a:spcBef>
+                <a:spcPts val="0"/>
+              </a:spcBef>
+              <a:buFont typeface="Roboto"/>
+              <a:buNone/>
+            </a:pPr>
+            <a:r>
+              <a:rPr lang="ru-RU" dirty="0" smtClean="0"/>
+              <a:t>Итеративное решение. </a:t>
             </a:r>
-            <a:endParaRPr sz="1500">
-              <a:solidFill>
-                <a:srgbClr val="02418B"/>
-              </a:solidFill>
-              <a:latin typeface="Roboto"/>
-              <a:ea typeface="Roboto"/>
-              <a:cs typeface="Roboto"/>
-              <a:sym typeface="Roboto"/>
-            </a:endParaRPr>
+            <a:endParaRPr lang="en-US" dirty="0" smtClean="0"/>
+          </a:p>
+          <a:p>
+            <a:pPr marL="120650" indent="0">
+              <a:lnSpc>
+                <a:spcPct val="100000"/>
+              </a:lnSpc>
+              <a:spcBef>
+                <a:spcPts val="0"/>
+              </a:spcBef>
+              <a:buFont typeface="Roboto"/>
+              <a:buNone/>
+            </a:pPr>
+            <a:endParaRPr lang="en-US" dirty="0"/>
+          </a:p>
+          <a:p>
+            <a:pPr marL="120650" indent="0">
+              <a:lnSpc>
+                <a:spcPct val="100000"/>
+              </a:lnSpc>
+              <a:spcBef>
+                <a:spcPts val="0"/>
+              </a:spcBef>
+              <a:buFont typeface="Roboto"/>
+              <a:buNone/>
+            </a:pPr>
+            <a:r>
+              <a:rPr lang="ru-RU" dirty="0" smtClean="0"/>
+              <a:t>Сложность линейная </a:t>
+            </a:r>
+          </a:p>
+          <a:p>
+            <a:pPr marL="120650" indent="0">
+              <a:lnSpc>
+                <a:spcPct val="100000"/>
+              </a:lnSpc>
+              <a:spcBef>
+                <a:spcPts val="0"/>
+              </a:spcBef>
+              <a:buFont typeface="Roboto"/>
+              <a:buNone/>
+            </a:pPr>
+            <a:r>
+              <a:rPr lang="en-US" dirty="0" smtClean="0"/>
+              <a:t>O(n)</a:t>
+            </a:r>
+            <a:r>
+              <a:rPr lang="ru-RU" dirty="0" smtClean="0"/>
+              <a:t>.</a:t>
+            </a:r>
+            <a:endParaRPr lang="en-US" dirty="0" smtClean="0"/>
+          </a:p>
+          <a:p>
+            <a:pPr marL="120650" indent="0">
+              <a:lnSpc>
+                <a:spcPct val="100000"/>
+              </a:lnSpc>
+              <a:spcBef>
+                <a:spcPts val="0"/>
+              </a:spcBef>
+              <a:buFont typeface="Roboto"/>
+              <a:buNone/>
+            </a:pPr>
+            <a:endParaRPr lang="ru-RU" dirty="0" smtClean="0"/>
+          </a:p>
+          <a:p>
+            <a:pPr marL="120650" indent="0">
+              <a:lnSpc>
+                <a:spcPct val="100000"/>
+              </a:lnSpc>
+              <a:spcBef>
+                <a:spcPts val="0"/>
+              </a:spcBef>
+              <a:buFont typeface="Roboto"/>
+              <a:buNone/>
+            </a:pPr>
+            <a:r>
+              <a:rPr lang="ru-RU" dirty="0"/>
+              <a:t>Д</a:t>
+            </a:r>
+            <a:r>
+              <a:rPr lang="ru-RU" dirty="0" smtClean="0"/>
+              <a:t>ополнительные расходы на память – </a:t>
+            </a:r>
+            <a:r>
+              <a:rPr lang="en-US" dirty="0" smtClean="0"/>
+              <a:t>0(n).</a:t>
+            </a:r>
+            <a:endParaRPr lang="ar-AE" dirty="0"/>
           </a:p>
         </p:txBody>
       </p:sp>
+      <p:pic>
+        <p:nvPicPr>
+          <p:cNvPr id="5" name="Рисунок 4"/>
+          <p:cNvPicPr>
+            <a:picLocks noChangeAspect="1"/>
+          </p:cNvPicPr>
+          <p:nvPr/>
+        </p:nvPicPr>
+        <p:blipFill rotWithShape="1">
+          <a:blip r:embed="rId3"/>
+          <a:srcRect l="1226" b="2555"/>
+          <a:stretch/>
+        </p:blipFill>
+        <p:spPr>
+          <a:xfrm>
+            <a:off x="3722245" y="1625262"/>
+            <a:ext cx="5229237" cy="4139813"/>
+          </a:xfrm>
+          <a:prstGeom prst="rect">
+            <a:avLst/>
+          </a:prstGeom>
+        </p:spPr>
+      </p:pic>
     </p:spTree>
+    <p:extLst>
+      <p:ext uri="{BB962C8B-B14F-4D97-AF65-F5344CB8AC3E}">
+        <p14:creationId xmlns:p14="http://schemas.microsoft.com/office/powerpoint/2010/main" val="1096655731"/>
+      </p:ext>
+    </p:extLst>
   </p:cSld>
   <p:clrMapOvr>
     <a:masterClrMapping/>
   </p:clrMapOvr>
+  <p:timing>
+    <p:tnLst>
+      <p:par>
+        <p:cTn id="1" dur="indefinite" restart="never" nodeType="tmRoot"/>
+      </p:par>
+    </p:tnLst>
+  </p:timing>
 </p:sld>
 </file>
 
